--- a/SEM_BI_DATA_MINING.pptx
+++ b/SEM_BI_DATA_MINING.pptx
@@ -9,10 +9,14 @@
     <p:sldId id="258" r:id="rId3"/>
     <p:sldId id="260" r:id="rId4"/>
     <p:sldId id="261" r:id="rId5"/>
-    <p:sldId id="263" r:id="rId6"/>
-    <p:sldId id="262" r:id="rId7"/>
-    <p:sldId id="259" r:id="rId8"/>
-    <p:sldId id="257" r:id="rId9"/>
+    <p:sldId id="266" r:id="rId6"/>
+    <p:sldId id="267" r:id="rId7"/>
+    <p:sldId id="264" r:id="rId8"/>
+    <p:sldId id="265" r:id="rId9"/>
+    <p:sldId id="268" r:id="rId10"/>
+    <p:sldId id="263" r:id="rId11"/>
+    <p:sldId id="259" r:id="rId12"/>
+    <p:sldId id="257" r:id="rId13"/>
   </p:sldIdLst>
   <p:sldSz cx="9144000" cy="6858000" type="screen4x3"/>
   <p:notesSz cx="6858000" cy="9144000"/>
@@ -302,7 +306,7 @@
           <a:p>
             <a:fld id="{A1060770-826A-45B5-BC52-FB85B4996B12}" type="datetimeFigureOut">
               <a:rPr lang="pt-BR" smtClean="0"/>
-              <a:t>21/04/2016</a:t>
+              <a:t>24/04/2016</a:t>
             </a:fld>
             <a:endParaRPr lang="pt-BR"/>
           </a:p>
@@ -502,7 +506,7 @@
           <a:p>
             <a:fld id="{A1060770-826A-45B5-BC52-FB85B4996B12}" type="datetimeFigureOut">
               <a:rPr lang="pt-BR" smtClean="0"/>
-              <a:t>21/04/2016</a:t>
+              <a:t>24/04/2016</a:t>
             </a:fld>
             <a:endParaRPr lang="pt-BR"/>
           </a:p>
@@ -677,7 +681,7 @@
           <a:p>
             <a:fld id="{A1060770-826A-45B5-BC52-FB85B4996B12}" type="datetimeFigureOut">
               <a:rPr lang="pt-BR" smtClean="0"/>
-              <a:t>21/04/2016</a:t>
+              <a:t>24/04/2016</a:t>
             </a:fld>
             <a:endParaRPr lang="pt-BR"/>
           </a:p>
@@ -842,7 +846,7 @@
           <a:p>
             <a:fld id="{A1060770-826A-45B5-BC52-FB85B4996B12}" type="datetimeFigureOut">
               <a:rPr lang="pt-BR" smtClean="0"/>
-              <a:t>21/04/2016</a:t>
+              <a:t>24/04/2016</a:t>
             </a:fld>
             <a:endParaRPr lang="pt-BR"/>
           </a:p>
@@ -1090,7 +1094,7 @@
           <a:p>
             <a:fld id="{A1060770-826A-45B5-BC52-FB85B4996B12}" type="datetimeFigureOut">
               <a:rPr lang="pt-BR" smtClean="0"/>
-              <a:t>21/04/2016</a:t>
+              <a:t>24/04/2016</a:t>
             </a:fld>
             <a:endParaRPr lang="pt-BR"/>
           </a:p>
@@ -1408,7 +1412,7 @@
           <a:p>
             <a:fld id="{A1060770-826A-45B5-BC52-FB85B4996B12}" type="datetimeFigureOut">
               <a:rPr lang="pt-BR" smtClean="0"/>
-              <a:t>21/04/2016</a:t>
+              <a:t>24/04/2016</a:t>
             </a:fld>
             <a:endParaRPr lang="pt-BR"/>
           </a:p>
@@ -1874,7 +1878,7 @@
           <a:p>
             <a:fld id="{A1060770-826A-45B5-BC52-FB85B4996B12}" type="datetimeFigureOut">
               <a:rPr lang="pt-BR" smtClean="0"/>
-              <a:t>21/04/2016</a:t>
+              <a:t>24/04/2016</a:t>
             </a:fld>
             <a:endParaRPr lang="pt-BR"/>
           </a:p>
@@ -2022,7 +2026,7 @@
           <a:p>
             <a:fld id="{A1060770-826A-45B5-BC52-FB85B4996B12}" type="datetimeFigureOut">
               <a:rPr lang="pt-BR" smtClean="0"/>
-              <a:t>21/04/2016</a:t>
+              <a:t>24/04/2016</a:t>
             </a:fld>
             <a:endParaRPr lang="pt-BR"/>
           </a:p>
@@ -2112,7 +2116,7 @@
           <a:p>
             <a:fld id="{A1060770-826A-45B5-BC52-FB85B4996B12}" type="datetimeFigureOut">
               <a:rPr lang="pt-BR" smtClean="0"/>
-              <a:t>21/04/2016</a:t>
+              <a:t>24/04/2016</a:t>
             </a:fld>
             <a:endParaRPr lang="pt-BR"/>
           </a:p>
@@ -2386,7 +2390,7 @@
           <a:p>
             <a:fld id="{A1060770-826A-45B5-BC52-FB85B4996B12}" type="datetimeFigureOut">
               <a:rPr lang="pt-BR" smtClean="0"/>
-              <a:t>21/04/2016</a:t>
+              <a:t>24/04/2016</a:t>
             </a:fld>
             <a:endParaRPr lang="pt-BR"/>
           </a:p>
@@ -2691,7 +2695,7 @@
           <a:p>
             <a:fld id="{A1060770-826A-45B5-BC52-FB85B4996B12}" type="datetimeFigureOut">
               <a:rPr lang="pt-BR" smtClean="0"/>
-              <a:t>21/04/2016</a:t>
+              <a:t>24/04/2016</a:t>
             </a:fld>
             <a:endParaRPr lang="pt-BR"/>
           </a:p>
@@ -2989,7 +2993,7 @@
           <a:p>
             <a:fld id="{A1060770-826A-45B5-BC52-FB85B4996B12}" type="datetimeFigureOut">
               <a:rPr lang="pt-BR" smtClean="0"/>
-              <a:t>21/04/2016</a:t>
+              <a:t>24/04/2016</a:t>
             </a:fld>
             <a:endParaRPr lang="pt-BR"/>
           </a:p>
@@ -3548,6 +3552,487 @@
 </p:sld>
 </file>
 
+<file path=ppt/slides/slide10.xml><?xml version="1.0" encoding="utf-8"?>
+<p:sld xmlns:a="http://schemas.openxmlformats.org/drawingml/2006/main" xmlns:r="http://schemas.openxmlformats.org/officeDocument/2006/relationships" xmlns:p="http://schemas.openxmlformats.org/presentationml/2006/main">
+  <p:cSld>
+    <p:spTree>
+      <p:nvGrpSpPr>
+        <p:cNvPr id="1" name=""/>
+        <p:cNvGrpSpPr/>
+        <p:nvPr/>
+      </p:nvGrpSpPr>
+      <p:grpSpPr>
+        <a:xfrm>
+          <a:off x="0" y="0"/>
+          <a:ext cx="0" cy="0"/>
+          <a:chOff x="0" y="0"/>
+          <a:chExt cx="0" cy="0"/>
+        </a:xfrm>
+      </p:grpSpPr>
+      <p:sp>
+        <p:nvSpPr>
+          <p:cNvPr id="2" name="Título 1"/>
+          <p:cNvSpPr>
+            <a:spLocks noGrp="1"/>
+          </p:cNvSpPr>
+          <p:nvPr>
+            <p:ph type="title"/>
+          </p:nvPr>
+        </p:nvSpPr>
+        <p:spPr/>
+        <p:txBody>
+          <a:bodyPr/>
+          <a:lstStyle/>
+          <a:p>
+            <a:r>
+              <a:rPr lang="pt-BR" dirty="0" smtClean="0"/>
+              <a:t>Exemplos de </a:t>
+            </a:r>
+            <a:r>
+              <a:rPr lang="pt-BR" dirty="0" err="1" smtClean="0"/>
+              <a:t>Algorítmos</a:t>
+            </a:r>
+            <a:endParaRPr lang="pt-BR" dirty="0"/>
+          </a:p>
+        </p:txBody>
+      </p:sp>
+      <p:sp>
+        <p:nvSpPr>
+          <p:cNvPr id="3" name="Espaço Reservado para Conteúdo 2"/>
+          <p:cNvSpPr>
+            <a:spLocks noGrp="1"/>
+          </p:cNvSpPr>
+          <p:nvPr>
+            <p:ph idx="1"/>
+          </p:nvPr>
+        </p:nvSpPr>
+        <p:spPr/>
+        <p:txBody>
+          <a:bodyPr/>
+          <a:lstStyle/>
+          <a:p>
+            <a:endParaRPr lang="pt-BR" dirty="0"/>
+          </a:p>
+        </p:txBody>
+      </p:sp>
+      <p:pic>
+        <p:nvPicPr>
+          <p:cNvPr id="2050" name="Picture 2" descr="https://d30y9cdsu7xlg0.cloudfront.net/png/30208-200.png"/>
+          <p:cNvPicPr>
+            <a:picLocks noChangeAspect="1" noChangeArrowheads="1"/>
+          </p:cNvPicPr>
+          <p:nvPr/>
+        </p:nvPicPr>
+        <p:blipFill>
+          <a:blip r:embed="rId2">
+            <a:extLst>
+              <a:ext uri="{28A0092B-C50C-407E-A947-70E740481C1C}">
+                <a14:useLocalDpi xmlns:a14="http://schemas.microsoft.com/office/drawing/2010/main" val="0"/>
+              </a:ext>
+            </a:extLst>
+          </a:blip>
+          <a:srcRect/>
+          <a:stretch>
+            <a:fillRect/>
+          </a:stretch>
+        </p:blipFill>
+        <p:spPr bwMode="auto">
+          <a:xfrm>
+            <a:off x="7215630" y="5085184"/>
+            <a:ext cx="1905000" cy="1905000"/>
+          </a:xfrm>
+          <a:prstGeom prst="rect">
+            <a:avLst/>
+          </a:prstGeom>
+          <a:noFill/>
+          <a:extLst>
+            <a:ext uri="{909E8E84-426E-40DD-AFC4-6F175D3DCCD1}">
+              <a14:hiddenFill xmlns:a14="http://schemas.microsoft.com/office/drawing/2010/main">
+                <a:solidFill>
+                  <a:srgbClr val="FFFFFF"/>
+                </a:solidFill>
+              </a14:hiddenFill>
+            </a:ext>
+          </a:extLst>
+        </p:spPr>
+      </p:pic>
+    </p:spTree>
+    <p:extLst>
+      <p:ext uri="{BB962C8B-B14F-4D97-AF65-F5344CB8AC3E}">
+        <p14:creationId xmlns:p14="http://schemas.microsoft.com/office/powerpoint/2010/main" val="3619807138"/>
+      </p:ext>
+    </p:extLst>
+  </p:cSld>
+  <p:clrMapOvr>
+    <a:masterClrMapping/>
+  </p:clrMapOvr>
+  <p:timing>
+    <p:tnLst>
+      <p:par>
+        <p:cTn id="1" dur="indefinite" restart="never" nodeType="tmRoot"/>
+      </p:par>
+    </p:tnLst>
+  </p:timing>
+</p:sld>
+</file>
+
+<file path=ppt/slides/slide11.xml><?xml version="1.0" encoding="utf-8"?>
+<p:sld xmlns:a="http://schemas.openxmlformats.org/drawingml/2006/main" xmlns:r="http://schemas.openxmlformats.org/officeDocument/2006/relationships" xmlns:p="http://schemas.openxmlformats.org/presentationml/2006/main">
+  <p:cSld>
+    <p:spTree>
+      <p:nvGrpSpPr>
+        <p:cNvPr id="1" name=""/>
+        <p:cNvGrpSpPr/>
+        <p:nvPr/>
+      </p:nvGrpSpPr>
+      <p:grpSpPr>
+        <a:xfrm>
+          <a:off x="0" y="0"/>
+          <a:ext cx="0" cy="0"/>
+          <a:chOff x="0" y="0"/>
+          <a:chExt cx="0" cy="0"/>
+        </a:xfrm>
+      </p:grpSpPr>
+      <p:sp>
+        <p:nvSpPr>
+          <p:cNvPr id="2" name="Título 1"/>
+          <p:cNvSpPr>
+            <a:spLocks noGrp="1"/>
+          </p:cNvSpPr>
+          <p:nvPr>
+            <p:ph type="title"/>
+          </p:nvPr>
+        </p:nvSpPr>
+        <p:spPr/>
+        <p:txBody>
+          <a:bodyPr/>
+          <a:lstStyle/>
+          <a:p>
+            <a:r>
+              <a:rPr lang="pt-BR" dirty="0" smtClean="0"/>
+              <a:t>Dúvidas?</a:t>
+            </a:r>
+            <a:endParaRPr lang="pt-BR" dirty="0"/>
+          </a:p>
+        </p:txBody>
+      </p:sp>
+      <p:sp>
+        <p:nvSpPr>
+          <p:cNvPr id="4" name="AutoShape 4" descr="data:image/jpeg;base64,/9j/4AAQSkZJRgABAQAAAQABAAD/2wCEAAkGBxQQEBEUEhAWFhUUFBMUFhAVDxAXFQ8XGBYWFhYVFxUYHCggHRolHRQTJjEhJikrLi4vFx8zODUtNygtLisBCgoKDg0OGhAQGywmICQsLCwwNC8sLzU0LSw0LCwsLCwsLCwsLCwsNSwsLywsLC4yNCwsLDUsLCwsLCwtLCwsNP/AABEIAOEA4QMBEQACEQEDEQH/xAAcAAEAAQUBAQAAAAAAAAAAAAAABwIDBAUGAQj/xABBEAACAQICBggCCAQEBwAAAAABAgADEQQxBQYSIUFRBxMiYXGBkaEyUhQjQmJygpKxM1Oy0RXC4fAkQ3ODosHD/8QAGwEBAAIDAQEAAAAAAAAAAAAAAAQFAQMGAgf/xAA1EQEAAgECAwUGBQQDAQEAAAAAAQIDBBEFITESQVFhcQYigZGhsRMywdHwFEJS4TNywvEj/9oADAMBAAIRAxEAPwCcYCAgICAgICAgICAgICAgUVKqr8TAeJAmN3qKzbpClcQhNg6k8gwjeGZx3jnMSuzLwQEBAQEBAQEBAQEBAQEBAQEBAQEBAQEC3iK600Z3YKqi5ZiAFHMkzEzERvL3SlslorSN5nuhHmn+lBVuuDp7Z/nVAQv5U3MfO3gZAy66I5Uh1Wh9l7W97U228o6/GekfDf1hw2ktbMZiD9Zintv7KHq18LJa/neQ76jJbrLpdPwnR4PyY49Z5z9d/o0zm5JJuTmSbk+c0rCIiI2hTaGWZg9KVqNuqr1EtwWq4HoDa09VyWr0mWjLpcGX/kpWfWIdLozpHxlI9tlrLydAGt3Mlve8k01mSvXmp9R7N6LLHuRNZ8p/Sd/ps7TQvSVha1lrBqDHi3ap3/GMvMASXj1tLcp5Od1fs1qsPPHtePLlPy/aZdlQrLUUMjBlYXDKwKsOYI3GS4mJjeHP3palpraNpjxXJl5ICAgICAgICAgICAgICAgICAgYel9J08LSarVayr5liclUcSZ4veKV7VkjS6bJqckY8cbzP085QjrXrRVx9S7ErTB7FEHsryJ+Zu/076fPntlnyfRuGcLxaKnLnaes/wA6R5fNoJoWhA8gICB7AQNloTTtfBttUKpXfcpmj/iQ7vPPkZsx5b453rKJq9Dp9XXs5q7+ffHpP8jySpqp0gUsWRTrAUaxsBdvq6p+6xyP3T3WJlnh1db8rcpcTxL2fzabfJi96n1j1j9Y+MQ7OS3PEBAQEBAQEBAQEBAQEBAQECirVCKzMQFUFixNgoAuSTymJnbnL1Ws2mK1jeZQnr1rM2NrWW4pL/DXuP2yPmYei2HFpTanP+Jbl0fReDcMrpMW8/mnr+0eUfWd/CHLSOunkMkBAQED2AgIYLQO+1H18ahs0cUxalklY3LUe5uJT3HeMp2n1c192/Ry/GOA1zb5tPG1u+O6fTwn6T69ZZRgQCCCCLgg3BByIMtHDzExO0vYYICAgICAgICAgICAgICBGnSFrL1tR8LTP1dFS+Ia/wDEYEBaNxw22QHvPCxvW6zPv7lfi7DgfDPw6Rqcn5rTtTyjvt8t5j/cI1qOWJJNySSTzJzle7CIiI2hRDJDJaBi4rHpT3Zn5Rw8TNlMVrIWfXY8XLrLAbTDcEHmTN0aePFXzxa/dWHqaZPFB5GYnT+EvVeLz/dX5Sy6Ok0bM2Pf/ea7YbQm4uIYMnLfafP+bM1TfKak17A9hgtAkHo21tNJ1wtdvq2NqTk/wmOSH7p4cjuyO6fpNRtPYt07nK8f4TGSs6nFHvR+aPGPH1jv8Y9OcqyzcSQEBAQEBAQEBAQEBAQNFrtp36Bg6lUW2/gp3y22yPkATb7s058nYpvHXuWPC9HGq1EUt+WOdvSP36fF83VNOVLvYkq5Ba5N6hFzcnjvJMrYwbxznm7O/EtskdisdmOUenl4MrDaSV89x5GabYrVWODXYcvLfafCWZea00gXsPorFYrsYSg9RuLgALTHe7WUMe85SRgwzfnspuKcSx6aOx2tpln0+h/SLC56lT8prG4/SpHvLD8GzlbcTxb97X6R6MtJUbn6L1gAvtUqlN/ILfaPpPM4rQ901+C3fs5TFYV6TFKlNkYZo6MrDxB3zxMTHVLrato3rO6zMMr2HxLIeyfLhPFqVt1SMGqyYZ92eXh3N3gdICpuO5uUiZMU1X+l1lM8bdLeH7M6a0t7DBaBNXR5rAcZhtmo161GyuTm6/YfzAse9Tzlzpc34lOfWHzvjnD40uftUj3Lc48p74/bymHVSSpCAgICAgICAgICAgIHD9KmqVfSdGiMPUUGkzsaTkgVrgW7XAixtfd2jvE1Zcfb28k/Q6z+n7UTHK230/n0QHpjQuIwb7GJoPSbhtLua2ZVh2WHeCZGtWa9V3izUyRvSd2vnlsZOHxrpkbjkZrtirZMwa7Nh5RO8eEtvgMd1rKgUl2IVUAJLk7gFtmZHnBbflzW1OKYJrM3ns7eP7vpDVrRIweFpURmq3c/PUO929SbchYcJc46RSsVh841mptqc1stu+fp3R8m0ntGIGFpTRNHFJsYiilVeToDs94OYPeJiYier3S9qTvWdkW63dDikNU0e5Bz+i1GuG7kqHePBr55iabYf8Vng4lMcsnzRDjcI9Co1OqjI6GzIwIKnvHpI8xtylbUvF47VeiypsbjOYnm2VtNZ3jq6HRmL6xbHMSDkp2ZdNpNR+Pj3nrHX92fNaQ9EDeam6X+h4ylUJsjHq6nLYa289wIVvyzdp8n4eSJ7lZxbSf1WltSOsc49Y/eN4+KdpePmhAQEBAQEBAQEBAQEBAsY3B066FKtNaiHNHRWU+RhmJmJ3hG+s3Q5h613wdQ0Hz6prvSPh9pd/G5HdNNsMT0WGHiN68r84+qLtMaiY/C1Aj4V22m2VekpqI5O4WZcvBrGaJx2haY9ZhvG+/zTJ0bdHyaOQVqwD4phnmuHBzRPvc28huveRjx9nn3qjV6yc09mv5fu7ybUEgICAgcj0hakU9J0SQAuJQfVVrfFa56tzxQ3P4SbjiDrvSLQl6XVWw28u985V8I1N3SopV0YqynNWBsQfMSFaduTqMVYvEWjpLIwR2GB9Zoye9Cz0m+O8T8HREW9j5EAj2IkVbxO4IFVrwxunfVDSH0jA4eoTdtjZY82QlGPmVJ85e4L9vHEvmXFNP+Bq8mOOm+8ek84+ktxNqAQEBAQEBAQEBAQEDxmAFzAtq5OQsOZ/tAq2Tz9hAoaoVzFx3ZwK6VUMNx/wBIFcBAQEBAQIZ6a9Xwleli0WwrfV1PxqOy3iVuPySFqq7bWdPwHN24tinu5x6d/wDPNHCU5BmzqqYnRVx2MOeLUQT32q1UHsizTLfjn3rx4W/81n7zK0JhsViHlLHRRXLYOop+xXYDwZUb92aW2hnfHt5uG9paRXVVt41j7zH2iHayY54gICAgICAgICAgeMbC54ceUDXpW6xr8OA/9+MDOpndArgUVTuganE1SjbS5jh8w5GBtcPWFRQy5EenMeMC5AQEBAQOL6XKQbRrXzWrTZe43K/szSLq/wDjXns7v/WxEd8ShFUlRMvotabN1j2uyr/Lp06e7mqjb/8AMvEzui4Y2rM+MzPznl9NlkCYbJVgQ8ylDokH/D4jl1w9erS/7iWmg/JPq4v2nn/98f8A1/WXdyc5ogICAgICAgICAga/TlfYpW+Zgv7k+wMDDw1bdAzqVeBeNeBYq14GrxtbdAuaq4ra65PlZWH5gQR6r7wN/AQEBAQI36ZdKAUqOHB7TN1rDkqgqt/Ek/okDXX5RX4uu9lNLM5L556RHZj1nnPyj7ouw6bweWUrHaXnlsygIaVQEPMrgEPMpb6L8NsYDa/m1aj+lqf/AM5b6Ku2LfxcH7Q5O3rOz/jER+v6uuktRkBAQEBAQEBAQEDRa3NalTblVF/NWH9vWBqsPi90DMp4uBd+l98CzVxcDV43GbjvgZWoZLVMQ3C1MefaP+/GB2MBAQEDk9Z9eqGEDJTIrVshTU3VDzdxuFuQ3+Gci5tVTHyjnK84dwLPqpi147NPGes+kfr0+yH9IYp8TVetWbadzcngOQA5ASpvebz2pd9gxY9PijFijaIWwJ5elYEMSqAh5ldp0yxCqLsxCqvFmJsoHiSJmImZ2hrvetKza07RHOfRPWiMCMPh6NIG/Voq3+Ygb28zc+cv6V7NYrHc+YajNObLbLP90zLMnppICAgICAgICAgIGFpnA9fQqU72LDsnkw3qfC4ECNcPjipKsCrKSGU5qRuIMDNTSHfAuf4iOcDGr6UEDV4jGFuMCSNUNHGhhl2vjqHrGHy3AAXyAHneBugYHsDR6x61YfAj6x9qpa4oJYueRI+yO8+V5py56Y+vVZaDhWo1k+5G1fGen+/gizWLXXE4y67XVUj/AMqmxuw5O+beG4d0rMuqvk5dIdroeCabS7W27VvGf0jpH1nzc4okZbzKoCGFQEPKoCGFYEPLuOjPQJq1fpLj6ukSKdx/EqZFhzCgn8x5qZP0WHefxJ+Dl/aDXxWn9NSec87eUd0fHr6eqUZZuPICAgICAgICAgICAgcnrfqp9JvVoWFb7S3sKwG4b+Dd/keYCOcQtSkxRwysM1YEEQKOuPOBUKkDtNTNWes2cRWsUzSnntkH4m7gRl68iHeu1heBpMTpWnQrgM4CqlR6jsxsgJv/AFEATFrRWN5bMWK+W8UpG8z3Q4fWXpIertJgwaabwcQwG2/4FPwjvO/eMjK3NrZnlT5uy4f7N0x7X1XO3+MdI9Z7/t6w4J3LEkkkkkliSSxOZJOZkCZ36uoiIrERHSAQPRDCoCGFYEPKoCHmXQ6par1Me4belBT263F7HelPmeBbId53SXp9NOT3p6fdScU4vTSxNKc7/bzn9vmmPCYZKSLTpqFRAFVRkoEtoiIjaHCXva9ptad5lemXkgICAgICAgICB4WA4wPYCAgYekMPSqjZq01qW4MinZ9coGifVDCu1+qKj5VqVLH3/aBtcFq9hqPwYdL8yNo+rXgZjqtJGYHZVQWItuHE7oHL6b1iCbLbQPJQeP8Au8CMtP4w4qsQW3C71G4IMvXfYDiWAlXrcu89iO523s3pJwYp1No535V9P99fSN2pdr5CwG4L8o/v3yC6iI2BAqEMKhDCoQwqQEsqqCzMbKiqWZzyVRvJma1m07RDVly0xV7V5iI83f6sdHbNapjeyuYwqtvb/quP6VPicxLLDo4jndyPEfaCbb003KPHv+Hh69fRJNGkqKFVQqqAFVQAFA3AADISe5iZmZ3lXDBAQEBAQEBAQEBA0emqZrIhRipzWoDusc0ccjzzHsQ2mHLbIuRe3Mke++B6cSAbHdx8ucCrFVtim757KlvGwvA1SYkkhe4G/O/H94GxowMkQNVp3FbCNcAgq6lTkeydxHfAiUULPYm9oZidp3aTEUzSprTPxuesqb94G8U1Pld+/bTlOftExO09X1XDeua34lfyxG1f1n/z8J8WKJ5SVQhhUIYelgBcmw5mHmZ2dTq5qPicXZnHUUj9t1PWVB9ymch95rZggGTcOjtbnbk53X+0GLDvTD71vHuj9/5zSdq/q1h8CtqNPtEWas/aq1PFuXcLDuljjx1pG1YchqtZm1Nu1ltv9o9IbibEUgICAgICAgICAgICBrcThaibRo7JBuTRe4FzmVbh4EccxA1dPS9amSGwVYHkqba/qW494Gt0lj8RRrpXr0SlLZIFiGCknJ9nI5d2/nAycPppKqEK1gQVtfgRbKBb0MzB9ljfZUAN8wu1j7wOnoGBkM9hA53Wg3oVPuja9M/a8CPDXBMDntKkmvUub/Dny2VsPTd5Sk1MbZbPpnBbxbQYpjw2+UzDFE0LNUIeVymhYqqglmIVVAuWYmyqBzJIEzETM7Q8ZL1pWb2naI5ylvU/UWnhgtXEAVK+4gHemHPJBkW++fK3G4waauON56vn3E+MZdXaaV5U8PH1/Z2ckqYgICAgICAgICAgICAgICAgU1EDAhgCCCCpAIIOYIPCBxmldRd5fC1Ng59U5Oz5MN4HcQYHuh8DVw7Fa7KW3EbLEgDhckDfuPtA6ShUgX3bdA1OkVuCDvBBBHOBF2mqa4dqlmyW6BiLsxdBa3EBS5/KOcianUTi5QveD8Kpred5nlbadvDaZ6+u0OcZyxJJuTmecqbWm07y77FipipGOkbRHKATD2qEMO96KNECpWqYhhcURsJ+Nh2j4hf65P0OPeZvLlfabVzWlcFf7uc+nd9fslSWbjCAgICAgICAgICAgICAgICAgICBy+Lr3xFU8m2f0gD9wYGXRqQMxHuIGHjhuMCF+lVCtWgwuPjFwfw/6yNqI323XPCMlqTbsztPL9XH4fSrrn2h6GQbYKz05OpxcUyV5ZI7X0ltMNpRH42PIzRbFaqzxazDl5RO0+E/zZsEYGa0iYmE2dHWC6nR9Hdvq7VUnntnsn9AT0l1padnFHzfOON5/wAXW38I935cp+u7pZIVJAQEBAQEBAQEBAQEBAQEBAQEBA4fEtatVPA1H/qMDMo1t0DMoVoDE3IgarB6Mo4nENSr0UqoaTNsugOyQygEE7we0d4mJiJ6vVL2pO9Z2aHWDoYoVLtg6zUW/lPepT8A3xr4ktNVsMT0WOLiV68rxuj7GdGWkqdXqxhesvlUp1KZpt37TEbP5rTTOKyfXX4Jjfd12rnRBiBY4rFrTX+VSBdiOW01gp8A0TpK2/MRx/Jh5Yvr0+X/AMTFhqC00RFFlRVVRyAFgPQSXEbRs5+1ptabT1lcmXkgICAgICAgICAgICAgICAgICB4TA5VcGXTatdjvt4wNdRqHrRTYFWJyYEX5kXz8oHW4LAqBfMwGkEULA1urFHaevVPMU18F3sfMkfpgdCDAQEBAQEBAQEBAQEBAQEBAQEBAQEBAQLWJNkf8LftA1Wi8hAuaQa9SmvK7eH2R+7ekDZUtywOd1jxgRGN4OvRDekMe9Ytd3KXJCF22R3hchfPzlHnyzkvM9z6fw3Q10mCldo7W3Odo33nnPPy6eijA42pQYNRqvTN73R2HqBuPnNdb2r+WUvNgx5o2yVifWEl6la+mqy0cWRtMQqVwAoYnJXA3Ak5EbjcCw42On1fans3cfxfgMYqzm03SOsfrH6xPPv3lIUnuVICAgICAgICAgICAgICAgICAgICBRWTaVhzBHqIGi0TVuq+AgXFqbVdzyIQeAG/3LQNjiKtlgRdr7pe96YO87vLifT95F1eXsY9u+V77P6KdRqovMe7TnPr3R8+fwcKJTvob2GFSNb+3McoYmN06aj6VOKwaMxu6Hq3Y5sVAIYnmVZCe8mXemydvHEz16PmvGNJGm1VqxG0Tzj493wneIb+b1WQEBAQEBAQEBAQEBAQEBAQEBAQEDlsF2HdPldl8gTs+1oFulWK1qoPByf1WYezCBs61TaWBD+ulMrizfIqCPU3lTrt/wASPR33svNf6O0R17U7/KNmjkN0T2B6IYSt0QseoxHIVE9dgX9tn0lnoPyT6uH9qIj8en/X9Z/276T3MEBAQEBAQEBAQEBAQEBAQEBAQEBA5zHLs4p/vBG9tn/LAwdK9mujZbaDzKmxPoy+kDYYY3WBHnSThbPSfh2l9d4/Yyv19eVbOu9lM3v5cXjET8uU/eHGStdk9gekwwnDo90QcLgUDrs1KhNV1Oa7VgoPIhFS44G8utNj7GOInq+bca1canV2tWd6xyj4dfnO7pZIVJAQEBAQEBAQEBAQEBAQEBAQEBAwqFU1CTtWW5sBYbvHOBRi8OC21e7AW37wQLm3uYGBpNaddFS1mDDZPynu7rXgZWF0KqD429d0DmddtH9fQqUxbbG9HJ3XG8Bu45XHPKa8uOMlJqm8P1ltHqK5o57dfOJ6oWTHqCVbsspIKtusRuIvlKa2C9Z6Po2HiWmy1ie1t6trgsDWr26mhUqXtvSk7Df3gWA75iMOSekS95Nfpccb3y1+cfZIupnR4yOtbGgXUhkw4a9iN4NQjcbfKCRz5Sfp9H2Z7V3KcV9oYy1nDpt4ies98x5eH3SVJ7lCAgICAgICAgICAgICAgICAgICAgaMaIrI7FK67BYkI1M3UE3ttBt/pAuVdG1jlWQf9pj/AJoGrxWhMRT+sFUVSpB6paeyTwJBLHK+UCv/ABHF22Rg6h79qmB6loGvxOjMdXP8FKYPz1lP9F4HW6NwC0aaKFXaVVBcKAWIFifOGd5ZkMEBAQEBAQEBAQEBAQEBAQEBAQEBAQEBAQEBAQEBAQEBAQEBAQEBAQEBAQEBAQEBAQEBAQEBAQEBAQEBAQEBAQEBAQEBAQEBA//Z"/>
+          <p:cNvSpPr>
+            <a:spLocks noChangeAspect="1" noChangeArrowheads="1"/>
+          </p:cNvSpPr>
+          <p:nvPr/>
+        </p:nvSpPr>
+        <p:spPr bwMode="auto">
+          <a:xfrm>
+            <a:off x="155575" y="-144463"/>
+            <a:ext cx="304800" cy="304801"/>
+          </a:xfrm>
+          <a:prstGeom prst="rect">
+            <a:avLst/>
+          </a:prstGeom>
+          <a:noFill/>
+          <a:extLst>
+            <a:ext uri="{909E8E84-426E-40DD-AFC4-6F175D3DCCD1}">
+              <a14:hiddenFill xmlns:a14="http://schemas.microsoft.com/office/drawing/2010/main">
+                <a:solidFill>
+                  <a:srgbClr val="FFFFFF"/>
+                </a:solidFill>
+              </a14:hiddenFill>
+            </a:ext>
+          </a:extLst>
+        </p:spPr>
+        <p:txBody>
+          <a:bodyPr vert="horz" wrap="square" lIns="91440" tIns="45720" rIns="91440" bIns="45720" numCol="1" anchor="t" anchorCtr="0" compatLnSpc="1">
+            <a:prstTxWarp prst="textNoShape">
+              <a:avLst/>
+            </a:prstTxWarp>
+          </a:bodyPr>
+          <a:lstStyle/>
+          <a:p>
+            <a:endParaRPr lang="pt-BR"/>
+          </a:p>
+        </p:txBody>
+      </p:sp>
+      <p:sp>
+        <p:nvSpPr>
+          <p:cNvPr id="5" name="AutoShape 6" descr="data:image/jpeg;base64,/9j/4AAQSkZJRgABAQAAAQABAAD/2wCEAAkGBxQQEBEUEhAWFhUUFBMUFhAVDxAXFQ8XGBYWFhYVFxUYHCggHRolHRQTJjEhJikrLi4vFx8zODUtNygtLisBCgoKDg0OGhAQGywmICQsLCwwNC8sLzU0LSw0LCwsLCwsLCwsLCwsNSwsLywsLC4yNCwsLDUsLCwsLCwtLCwsNP/AABEIAOEA4QMBEQACEQEDEQH/xAAcAAEAAQUBAQAAAAAAAAAAAAAABwIDBAUGAQj/xABBEAACAQICBggCCAQEBwAAAAABAgADEQQxBQYSIUFRBxMiYXGBkaEyUhQjQmJygpKxM1Oy0RXC4fAkQ3ODosHD/8QAGwEBAAIDAQEAAAAAAAAAAAAAAAQFAQMGAgf/xAA1EQEAAgECAwUGBQQDAQEAAAAAAQIDBBEFITESQVFhcQYigZGhsRMywdHwFEJS4TNywvEj/9oADAMBAAIRAxEAPwCcYCAgICAgICAgICAgICAgUVKqr8TAeJAmN3qKzbpClcQhNg6k8gwjeGZx3jnMSuzLwQEBAQEBAQEBAQEBAQEBAQEBAQEBAQEC3iK600Z3YKqi5ZiAFHMkzEzERvL3SlslorSN5nuhHmn+lBVuuDp7Z/nVAQv5U3MfO3gZAy66I5Uh1Wh9l7W97U228o6/GekfDf1hw2ktbMZiD9Zintv7KHq18LJa/neQ76jJbrLpdPwnR4PyY49Z5z9d/o0zm5JJuTmSbk+c0rCIiI2hTaGWZg9KVqNuqr1EtwWq4HoDa09VyWr0mWjLpcGX/kpWfWIdLozpHxlI9tlrLydAGt3Mlve8k01mSvXmp9R7N6LLHuRNZ8p/Sd/ps7TQvSVha1lrBqDHi3ap3/GMvMASXj1tLcp5Od1fs1qsPPHtePLlPy/aZdlQrLUUMjBlYXDKwKsOYI3GS4mJjeHP3palpraNpjxXJl5ICAgICAgICAgICAgICAgICAgYel9J08LSarVayr5liclUcSZ4veKV7VkjS6bJqckY8cbzP085QjrXrRVx9S7ErTB7FEHsryJ+Zu/076fPntlnyfRuGcLxaKnLnaes/wA6R5fNoJoWhA8gICB7AQNloTTtfBttUKpXfcpmj/iQ7vPPkZsx5b453rKJq9Dp9XXs5q7+ffHpP8jySpqp0gUsWRTrAUaxsBdvq6p+6xyP3T3WJlnh1db8rcpcTxL2fzabfJi96n1j1j9Y+MQ7OS3PEBAQEBAQEBAQEBAQEBAQECirVCKzMQFUFixNgoAuSTymJnbnL1Ws2mK1jeZQnr1rM2NrWW4pL/DXuP2yPmYei2HFpTanP+Jbl0fReDcMrpMW8/mnr+0eUfWd/CHLSOunkMkBAQED2AgIYLQO+1H18ahs0cUxalklY3LUe5uJT3HeMp2n1c192/Ry/GOA1zb5tPG1u+O6fTwn6T69ZZRgQCCCCLgg3BByIMtHDzExO0vYYICAgICAgICAgICAgICBGnSFrL1tR8LTP1dFS+Ia/wDEYEBaNxw22QHvPCxvW6zPv7lfi7DgfDPw6Rqcn5rTtTyjvt8t5j/cI1qOWJJNySSTzJzle7CIiI2hRDJDJaBi4rHpT3Zn5Rw8TNlMVrIWfXY8XLrLAbTDcEHmTN0aePFXzxa/dWHqaZPFB5GYnT+EvVeLz/dX5Sy6Ok0bM2Pf/ea7YbQm4uIYMnLfafP+bM1TfKak17A9hgtAkHo21tNJ1wtdvq2NqTk/wmOSH7p4cjuyO6fpNRtPYt07nK8f4TGSs6nFHvR+aPGPH1jv8Y9OcqyzcSQEBAQEBAQEBAQEBAQNFrtp36Bg6lUW2/gp3y22yPkATb7s058nYpvHXuWPC9HGq1EUt+WOdvSP36fF83VNOVLvYkq5Ba5N6hFzcnjvJMrYwbxznm7O/EtskdisdmOUenl4MrDaSV89x5GabYrVWODXYcvLfafCWZea00gXsPorFYrsYSg9RuLgALTHe7WUMe85SRgwzfnspuKcSx6aOx2tpln0+h/SLC56lT8prG4/SpHvLD8GzlbcTxb97X6R6MtJUbn6L1gAvtUqlN/ILfaPpPM4rQ901+C3fs5TFYV6TFKlNkYZo6MrDxB3zxMTHVLrato3rO6zMMr2HxLIeyfLhPFqVt1SMGqyYZ92eXh3N3gdICpuO5uUiZMU1X+l1lM8bdLeH7M6a0t7DBaBNXR5rAcZhtmo161GyuTm6/YfzAse9Tzlzpc34lOfWHzvjnD40uftUj3Lc48p74/bymHVSSpCAgICAgICAgICAgIHD9KmqVfSdGiMPUUGkzsaTkgVrgW7XAixtfd2jvE1Zcfb28k/Q6z+n7UTHK230/n0QHpjQuIwb7GJoPSbhtLua2ZVh2WHeCZGtWa9V3izUyRvSd2vnlsZOHxrpkbjkZrtirZMwa7Nh5RO8eEtvgMd1rKgUl2IVUAJLk7gFtmZHnBbflzW1OKYJrM3ns7eP7vpDVrRIweFpURmq3c/PUO929SbchYcJc46RSsVh841mptqc1stu+fp3R8m0ntGIGFpTRNHFJsYiilVeToDs94OYPeJiYier3S9qTvWdkW63dDikNU0e5Bz+i1GuG7kqHePBr55iabYf8Vng4lMcsnzRDjcI9Co1OqjI6GzIwIKnvHpI8xtylbUvF47VeiypsbjOYnm2VtNZ3jq6HRmL6xbHMSDkp2ZdNpNR+Pj3nrHX92fNaQ9EDeam6X+h4ylUJsjHq6nLYa289wIVvyzdp8n4eSJ7lZxbSf1WltSOsc49Y/eN4+KdpePmhAQEBAQEBAQEBAQEBAsY3B066FKtNaiHNHRWU+RhmJmJ3hG+s3Q5h613wdQ0Hz6prvSPh9pd/G5HdNNsMT0WGHiN68r84+qLtMaiY/C1Aj4V22m2VekpqI5O4WZcvBrGaJx2haY9ZhvG+/zTJ0bdHyaOQVqwD4phnmuHBzRPvc28huveRjx9nn3qjV6yc09mv5fu7ybUEgICAgcj0hakU9J0SQAuJQfVVrfFa56tzxQ3P4SbjiDrvSLQl6XVWw28u985V8I1N3SopV0YqynNWBsQfMSFaduTqMVYvEWjpLIwR2GB9Zoye9Cz0m+O8T8HREW9j5EAj2IkVbxO4IFVrwxunfVDSH0jA4eoTdtjZY82QlGPmVJ85e4L9vHEvmXFNP+Bq8mOOm+8ek84+ktxNqAQEBAQEBAQEBAQEDxmAFzAtq5OQsOZ/tAq2Tz9hAoaoVzFx3ZwK6VUMNx/wBIFcBAQEBAQIZ6a9Xwleli0WwrfV1PxqOy3iVuPySFqq7bWdPwHN24tinu5x6d/wDPNHCU5BmzqqYnRVx2MOeLUQT32q1UHsizTLfjn3rx4W/81n7zK0JhsViHlLHRRXLYOop+xXYDwZUb92aW2hnfHt5uG9paRXVVt41j7zH2iHayY54gICAgICAgICAgeMbC54ceUDXpW6xr8OA/9+MDOpndArgUVTuganE1SjbS5jh8w5GBtcPWFRQy5EenMeMC5AQEBAQOL6XKQbRrXzWrTZe43K/szSLq/wDjXns7v/WxEd8ShFUlRMvotabN1j2uyr/Lp06e7mqjb/8AMvEzui4Y2rM+MzPznl9NlkCYbJVgQ8ylDokH/D4jl1w9erS/7iWmg/JPq4v2nn/98f8A1/WXdyc5ogICAgICAgICAga/TlfYpW+Zgv7k+wMDDw1bdAzqVeBeNeBYq14GrxtbdAuaq4ra65PlZWH5gQR6r7wN/AQEBAQI36ZdKAUqOHB7TN1rDkqgqt/Ek/okDXX5RX4uu9lNLM5L556RHZj1nnPyj7ouw6bweWUrHaXnlsygIaVQEPMrgEPMpb6L8NsYDa/m1aj+lqf/AM5b6Ku2LfxcH7Q5O3rOz/jER+v6uuktRkBAQEBAQEBAQEDRa3NalTblVF/NWH9vWBqsPi90DMp4uBd+l98CzVxcDV43GbjvgZWoZLVMQ3C1MefaP+/GB2MBAQEDk9Z9eqGEDJTIrVshTU3VDzdxuFuQ3+Gci5tVTHyjnK84dwLPqpi147NPGes+kfr0+yH9IYp8TVetWbadzcngOQA5ASpvebz2pd9gxY9PijFijaIWwJ5elYEMSqAh5ldp0yxCqLsxCqvFmJsoHiSJmImZ2hrvetKza07RHOfRPWiMCMPh6NIG/Voq3+Ygb28zc+cv6V7NYrHc+YajNObLbLP90zLMnppICAgICAgICAgIGFpnA9fQqU72LDsnkw3qfC4ECNcPjipKsCrKSGU5qRuIMDNTSHfAuf4iOcDGr6UEDV4jGFuMCSNUNHGhhl2vjqHrGHy3AAXyAHneBugYHsDR6x61YfAj6x9qpa4oJYueRI+yO8+V5py56Y+vVZaDhWo1k+5G1fGen+/gizWLXXE4y67XVUj/AMqmxuw5O+beG4d0rMuqvk5dIdroeCabS7W27VvGf0jpH1nzc4okZbzKoCGFQEPKoCGFYEPLuOjPQJq1fpLj6ukSKdx/EqZFhzCgn8x5qZP0WHefxJ+Dl/aDXxWn9NSec87eUd0fHr6eqUZZuPICAgICAgICAgICAgcnrfqp9JvVoWFb7S3sKwG4b+Dd/keYCOcQtSkxRwysM1YEEQKOuPOBUKkDtNTNWes2cRWsUzSnntkH4m7gRl68iHeu1heBpMTpWnQrgM4CqlR6jsxsgJv/AFEATFrRWN5bMWK+W8UpG8z3Q4fWXpIertJgwaabwcQwG2/4FPwjvO/eMjK3NrZnlT5uy4f7N0x7X1XO3+MdI9Z7/t6w4J3LEkkkkkliSSxOZJOZkCZ36uoiIrERHSAQPRDCoCGFYEPKoCHmXQ6par1Me4belBT263F7HelPmeBbId53SXp9NOT3p6fdScU4vTSxNKc7/bzn9vmmPCYZKSLTpqFRAFVRkoEtoiIjaHCXva9ptad5lemXkgICAgICAgICB4WA4wPYCAgYekMPSqjZq01qW4MinZ9coGifVDCu1+qKj5VqVLH3/aBtcFq9hqPwYdL8yNo+rXgZjqtJGYHZVQWItuHE7oHL6b1iCbLbQPJQeP8Au8CMtP4w4qsQW3C71G4IMvXfYDiWAlXrcu89iO523s3pJwYp1No535V9P99fSN2pdr5CwG4L8o/v3yC6iI2BAqEMKhDCoQwqQEsqqCzMbKiqWZzyVRvJma1m07RDVly0xV7V5iI83f6sdHbNapjeyuYwqtvb/quP6VPicxLLDo4jndyPEfaCbb003KPHv+Hh69fRJNGkqKFVQqqAFVQAFA3AADISe5iZmZ3lXDBAQEBAQEBAQEBA0emqZrIhRipzWoDusc0ccjzzHsQ2mHLbIuRe3Mke++B6cSAbHdx8ucCrFVtim757KlvGwvA1SYkkhe4G/O/H94GxowMkQNVp3FbCNcAgq6lTkeydxHfAiUULPYm9oZidp3aTEUzSprTPxuesqb94G8U1Pld+/bTlOftExO09X1XDeua34lfyxG1f1n/z8J8WKJ5SVQhhUIYelgBcmw5mHmZ2dTq5qPicXZnHUUj9t1PWVB9ymch95rZggGTcOjtbnbk53X+0GLDvTD71vHuj9/5zSdq/q1h8CtqNPtEWas/aq1PFuXcLDuljjx1pG1YchqtZm1Nu1ltv9o9IbibEUgICAgICAgICAgICBrcThaibRo7JBuTRe4FzmVbh4EccxA1dPS9amSGwVYHkqba/qW494Gt0lj8RRrpXr0SlLZIFiGCknJ9nI5d2/nAycPppKqEK1gQVtfgRbKBb0MzB9ljfZUAN8wu1j7wOnoGBkM9hA53Wg3oVPuja9M/a8CPDXBMDntKkmvUub/Dny2VsPTd5Sk1MbZbPpnBbxbQYpjw2+UzDFE0LNUIeVymhYqqglmIVVAuWYmyqBzJIEzETM7Q8ZL1pWb2naI5ylvU/UWnhgtXEAVK+4gHemHPJBkW++fK3G4waauON56vn3E+MZdXaaV5U8PH1/Z2ckqYgICAgICAgICAgICAgICAgU1EDAhgCCCCpAIIOYIPCBxmldRd5fC1Ng59U5Oz5MN4HcQYHuh8DVw7Fa7KW3EbLEgDhckDfuPtA6ShUgX3bdA1OkVuCDvBBBHOBF2mqa4dqlmyW6BiLsxdBa3EBS5/KOcianUTi5QveD8Kpred5nlbadvDaZ6+u0OcZyxJJuTmecqbWm07y77FipipGOkbRHKATD2qEMO96KNECpWqYhhcURsJ+Nh2j4hf65P0OPeZvLlfabVzWlcFf7uc+nd9fslSWbjCAgICAgICAgICAgICAgICAgICBy+Lr3xFU8m2f0gD9wYGXRqQMxHuIGHjhuMCF+lVCtWgwuPjFwfw/6yNqI323XPCMlqTbsztPL9XH4fSrrn2h6GQbYKz05OpxcUyV5ZI7X0ltMNpRH42PIzRbFaqzxazDl5RO0+E/zZsEYGa0iYmE2dHWC6nR9Hdvq7VUnntnsn9AT0l1padnFHzfOON5/wAXW38I935cp+u7pZIVJAQEBAQEBAQEBAQEBAQEBAQEBA4fEtatVPA1H/qMDMo1t0DMoVoDE3IgarB6Mo4nENSr0UqoaTNsugOyQygEE7we0d4mJiJ6vVL2pO9Z2aHWDoYoVLtg6zUW/lPepT8A3xr4ktNVsMT0WOLiV68rxuj7GdGWkqdXqxhesvlUp1KZpt37TEbP5rTTOKyfXX4Jjfd12rnRBiBY4rFrTX+VSBdiOW01gp8A0TpK2/MRx/Jh5Yvr0+X/AMTFhqC00RFFlRVVRyAFgPQSXEbRs5+1ptabT1lcmXkgICAgICAgICAgICAgICAgICB4TA5VcGXTatdjvt4wNdRqHrRTYFWJyYEX5kXz8oHW4LAqBfMwGkEULA1urFHaevVPMU18F3sfMkfpgdCDAQEBAQEBAQEBAQEBAQEBAQEBAQEBAQLWJNkf8LftA1Wi8hAuaQa9SmvK7eH2R+7ekDZUtywOd1jxgRGN4OvRDekMe9Ytd3KXJCF22R3hchfPzlHnyzkvM9z6fw3Q10mCldo7W3Odo33nnPPy6eijA42pQYNRqvTN73R2HqBuPnNdb2r+WUvNgx5o2yVifWEl6la+mqy0cWRtMQqVwAoYnJXA3Ak5EbjcCw42On1fans3cfxfgMYqzm03SOsfrH6xPPv3lIUnuVICAgICAgICAgICAgICAgICAgICBRWTaVhzBHqIGi0TVuq+AgXFqbVdzyIQeAG/3LQNjiKtlgRdr7pe96YO87vLifT95F1eXsY9u+V77P6KdRqovMe7TnPr3R8+fwcKJTvob2GFSNb+3McoYmN06aj6VOKwaMxu6Hq3Y5sVAIYnmVZCe8mXemydvHEz16PmvGNJGm1VqxG0Tzj493wneIb+b1WQEBAQEBAQEBAQEBAQEBAQEBAQEDlsF2HdPldl8gTs+1oFulWK1qoPByf1WYezCBs61TaWBD+ulMrizfIqCPU3lTrt/wASPR33svNf6O0R17U7/KNmjkN0T2B6IYSt0QseoxHIVE9dgX9tn0lnoPyT6uH9qIj8en/X9Z/276T3MEBAQEBAQEBAQEBAQEBAQEBAQEBA5zHLs4p/vBG9tn/LAwdK9mujZbaDzKmxPoy+kDYYY3WBHnSThbPSfh2l9d4/Yyv19eVbOu9lM3v5cXjET8uU/eHGStdk9gekwwnDo90QcLgUDrs1KhNV1Oa7VgoPIhFS44G8utNj7GOInq+bca1canV2tWd6xyj4dfnO7pZIVJAQEBAQEBAQEBAQEBAQEBAQEBAwqFU1CTtWW5sBYbvHOBRi8OC21e7AW37wQLm3uYGBpNaddFS1mDDZPynu7rXgZWF0KqD429d0DmddtH9fQqUxbbG9HJ3XG8Bu45XHPKa8uOMlJqm8P1ltHqK5o57dfOJ6oWTHqCVbsspIKtusRuIvlKa2C9Z6Po2HiWmy1ie1t6trgsDWr26mhUqXtvSk7Df3gWA75iMOSekS95Nfpccb3y1+cfZIupnR4yOtbGgXUhkw4a9iN4NQjcbfKCRz5Sfp9H2Z7V3KcV9oYy1nDpt4ies98x5eH3SVJ7lCAgICAgICAgICAgICAgICAgICAgaMaIrI7FK67BYkI1M3UE3ttBt/pAuVdG1jlWQf9pj/AJoGrxWhMRT+sFUVSpB6paeyTwJBLHK+UCv/ABHF22Rg6h79qmB6loGvxOjMdXP8FKYPz1lP9F4HW6NwC0aaKFXaVVBcKAWIFifOGd5ZkMEBAQEBAQEBAQEBAQEBAQEBAQEBAQEBAQEBAQEBAQEBAQEBAQEBAQEBAQEBAQEBAQEBAQEBAQEBAQEBAQEBAQEBAQEBAQEBA//Z"/>
+          <p:cNvSpPr>
+            <a:spLocks noChangeAspect="1" noChangeArrowheads="1"/>
+          </p:cNvSpPr>
+          <p:nvPr/>
+        </p:nvSpPr>
+        <p:spPr bwMode="auto">
+          <a:xfrm>
+            <a:off x="307975" y="7937"/>
+            <a:ext cx="304800" cy="304801"/>
+          </a:xfrm>
+          <a:prstGeom prst="rect">
+            <a:avLst/>
+          </a:prstGeom>
+          <a:noFill/>
+          <a:extLst>
+            <a:ext uri="{909E8E84-426E-40DD-AFC4-6F175D3DCCD1}">
+              <a14:hiddenFill xmlns:a14="http://schemas.microsoft.com/office/drawing/2010/main">
+                <a:solidFill>
+                  <a:srgbClr val="FFFFFF"/>
+                </a:solidFill>
+              </a14:hiddenFill>
+            </a:ext>
+          </a:extLst>
+        </p:spPr>
+        <p:txBody>
+          <a:bodyPr vert="horz" wrap="square" lIns="91440" tIns="45720" rIns="91440" bIns="45720" numCol="1" anchor="t" anchorCtr="0" compatLnSpc="1">
+            <a:prstTxWarp prst="textNoShape">
+              <a:avLst/>
+            </a:prstTxWarp>
+          </a:bodyPr>
+          <a:lstStyle/>
+          <a:p>
+            <a:endParaRPr lang="pt-BR"/>
+          </a:p>
+        </p:txBody>
+      </p:sp>
+      <p:sp>
+        <p:nvSpPr>
+          <p:cNvPr id="6" name="AutoShape 8" descr="data:image/jpeg;base64,/9j/4AAQSkZJRgABAQAAAQABAAD/2wCEAAkGBxQQEBEUEhAWFhUUFBMUFhAVDxAXFQ8XGBYWFhYVFxUYHCggHRolHRQTJjEhJikrLi4vFx8zODUtNygtLisBCgoKDg0OGhAQGywmICQsLCwwNC8sLzU0LSw0LCwsLCwsLCwsLCwsNSwsLywsLC4yNCwsLDUsLCwsLCwtLCwsNP/AABEIAOEA4QMBEQACEQEDEQH/xAAcAAEAAQUBAQAAAAAAAAAAAAAABwIDBAUGAQj/xABBEAACAQICBggCCAQEBwAAAAABAgADEQQxBQYSIUFRBxMiYXGBkaEyUhQjQmJygpKxM1Oy0RXC4fAkQ3ODosHD/8QAGwEBAAIDAQEAAAAAAAAAAAAAAAQFAQMGAgf/xAA1EQEAAgECAwUGBQQDAQEAAAAAAQIDBBEFITESQVFhcQYigZGhsRMywdHwFEJS4TNywvEj/9oADAMBAAIRAxEAPwCcYCAgICAgICAgICAgICAgUVKqr8TAeJAmN3qKzbpClcQhNg6k8gwjeGZx3jnMSuzLwQEBAQEBAQEBAQEBAQEBAQEBAQEBAQEC3iK600Z3YKqi5ZiAFHMkzEzERvL3SlslorSN5nuhHmn+lBVuuDp7Z/nVAQv5U3MfO3gZAy66I5Uh1Wh9l7W97U228o6/GekfDf1hw2ktbMZiD9Zintv7KHq18LJa/neQ76jJbrLpdPwnR4PyY49Z5z9d/o0zm5JJuTmSbk+c0rCIiI2hTaGWZg9KVqNuqr1EtwWq4HoDa09VyWr0mWjLpcGX/kpWfWIdLozpHxlI9tlrLydAGt3Mlve8k01mSvXmp9R7N6LLHuRNZ8p/Sd/ps7TQvSVha1lrBqDHi3ap3/GMvMASXj1tLcp5Od1fs1qsPPHtePLlPy/aZdlQrLUUMjBlYXDKwKsOYI3GS4mJjeHP3palpraNpjxXJl5ICAgICAgICAgICAgICAgICAgYel9J08LSarVayr5liclUcSZ4veKV7VkjS6bJqckY8cbzP085QjrXrRVx9S7ErTB7FEHsryJ+Zu/076fPntlnyfRuGcLxaKnLnaes/wA6R5fNoJoWhA8gICB7AQNloTTtfBttUKpXfcpmj/iQ7vPPkZsx5b453rKJq9Dp9XXs5q7+ffHpP8jySpqp0gUsWRTrAUaxsBdvq6p+6xyP3T3WJlnh1db8rcpcTxL2fzabfJi96n1j1j9Y+MQ7OS3PEBAQEBAQEBAQEBAQEBAQECirVCKzMQFUFixNgoAuSTymJnbnL1Ws2mK1jeZQnr1rM2NrWW4pL/DXuP2yPmYei2HFpTanP+Jbl0fReDcMrpMW8/mnr+0eUfWd/CHLSOunkMkBAQED2AgIYLQO+1H18ahs0cUxalklY3LUe5uJT3HeMp2n1c192/Ry/GOA1zb5tPG1u+O6fTwn6T69ZZRgQCCCCLgg3BByIMtHDzExO0vYYICAgICAgICAgICAgICBGnSFrL1tR8LTP1dFS+Ia/wDEYEBaNxw22QHvPCxvW6zPv7lfi7DgfDPw6Rqcn5rTtTyjvt8t5j/cI1qOWJJNySSTzJzle7CIiI2hRDJDJaBi4rHpT3Zn5Rw8TNlMVrIWfXY8XLrLAbTDcEHmTN0aePFXzxa/dWHqaZPFB5GYnT+EvVeLz/dX5Sy6Ok0bM2Pf/ea7YbQm4uIYMnLfafP+bM1TfKak17A9hgtAkHo21tNJ1wtdvq2NqTk/wmOSH7p4cjuyO6fpNRtPYt07nK8f4TGSs6nFHvR+aPGPH1jv8Y9OcqyzcSQEBAQEBAQEBAQEBAQNFrtp36Bg6lUW2/gp3y22yPkATb7s058nYpvHXuWPC9HGq1EUt+WOdvSP36fF83VNOVLvYkq5Ba5N6hFzcnjvJMrYwbxznm7O/EtskdisdmOUenl4MrDaSV89x5GabYrVWODXYcvLfafCWZea00gXsPorFYrsYSg9RuLgALTHe7WUMe85SRgwzfnspuKcSx6aOx2tpln0+h/SLC56lT8prG4/SpHvLD8GzlbcTxb97X6R6MtJUbn6L1gAvtUqlN/ILfaPpPM4rQ901+C3fs5TFYV6TFKlNkYZo6MrDxB3zxMTHVLrato3rO6zMMr2HxLIeyfLhPFqVt1SMGqyYZ92eXh3N3gdICpuO5uUiZMU1X+l1lM8bdLeH7M6a0t7DBaBNXR5rAcZhtmo161GyuTm6/YfzAse9Tzlzpc34lOfWHzvjnD40uftUj3Lc48p74/bymHVSSpCAgICAgICAgICAgIHD9KmqVfSdGiMPUUGkzsaTkgVrgW7XAixtfd2jvE1Zcfb28k/Q6z+n7UTHK230/n0QHpjQuIwb7GJoPSbhtLua2ZVh2WHeCZGtWa9V3izUyRvSd2vnlsZOHxrpkbjkZrtirZMwa7Nh5RO8eEtvgMd1rKgUl2IVUAJLk7gFtmZHnBbflzW1OKYJrM3ns7eP7vpDVrRIweFpURmq3c/PUO929SbchYcJc46RSsVh841mptqc1stu+fp3R8m0ntGIGFpTRNHFJsYiilVeToDs94OYPeJiYier3S9qTvWdkW63dDikNU0e5Bz+i1GuG7kqHePBr55iabYf8Vng4lMcsnzRDjcI9Co1OqjI6GzIwIKnvHpI8xtylbUvF47VeiypsbjOYnm2VtNZ3jq6HRmL6xbHMSDkp2ZdNpNR+Pj3nrHX92fNaQ9EDeam6X+h4ylUJsjHq6nLYa289wIVvyzdp8n4eSJ7lZxbSf1WltSOsc49Y/eN4+KdpePmhAQEBAQEBAQEBAQEBAsY3B066FKtNaiHNHRWU+RhmJmJ3hG+s3Q5h613wdQ0Hz6prvSPh9pd/G5HdNNsMT0WGHiN68r84+qLtMaiY/C1Aj4V22m2VekpqI5O4WZcvBrGaJx2haY9ZhvG+/zTJ0bdHyaOQVqwD4phnmuHBzRPvc28huveRjx9nn3qjV6yc09mv5fu7ybUEgICAgcj0hakU9J0SQAuJQfVVrfFa56tzxQ3P4SbjiDrvSLQl6XVWw28u985V8I1N3SopV0YqynNWBsQfMSFaduTqMVYvEWjpLIwR2GB9Zoye9Cz0m+O8T8HREW9j5EAj2IkVbxO4IFVrwxunfVDSH0jA4eoTdtjZY82QlGPmVJ85e4L9vHEvmXFNP+Bq8mOOm+8ek84+ktxNqAQEBAQEBAQEBAQEDxmAFzAtq5OQsOZ/tAq2Tz9hAoaoVzFx3ZwK6VUMNx/wBIFcBAQEBAQIZ6a9Xwleli0WwrfV1PxqOy3iVuPySFqq7bWdPwHN24tinu5x6d/wDPNHCU5BmzqqYnRVx2MOeLUQT32q1UHsizTLfjn3rx4W/81n7zK0JhsViHlLHRRXLYOop+xXYDwZUb92aW2hnfHt5uG9paRXVVt41j7zH2iHayY54gICAgICAgICAgeMbC54ceUDXpW6xr8OA/9+MDOpndArgUVTuganE1SjbS5jh8w5GBtcPWFRQy5EenMeMC5AQEBAQOL6XKQbRrXzWrTZe43K/szSLq/wDjXns7v/WxEd8ShFUlRMvotabN1j2uyr/Lp06e7mqjb/8AMvEzui4Y2rM+MzPznl9NlkCYbJVgQ8ylDokH/D4jl1w9erS/7iWmg/JPq4v2nn/98f8A1/WXdyc5ogICAgICAgICAga/TlfYpW+Zgv7k+wMDDw1bdAzqVeBeNeBYq14GrxtbdAuaq4ra65PlZWH5gQR6r7wN/AQEBAQI36ZdKAUqOHB7TN1rDkqgqt/Ek/okDXX5RX4uu9lNLM5L556RHZj1nnPyj7ouw6bweWUrHaXnlsygIaVQEPMrgEPMpb6L8NsYDa/m1aj+lqf/AM5b6Ku2LfxcH7Q5O3rOz/jER+v6uuktRkBAQEBAQEBAQEDRa3NalTblVF/NWH9vWBqsPi90DMp4uBd+l98CzVxcDV43GbjvgZWoZLVMQ3C1MefaP+/GB2MBAQEDk9Z9eqGEDJTIrVshTU3VDzdxuFuQ3+Gci5tVTHyjnK84dwLPqpi147NPGes+kfr0+yH9IYp8TVetWbadzcngOQA5ASpvebz2pd9gxY9PijFijaIWwJ5elYEMSqAh5ldp0yxCqLsxCqvFmJsoHiSJmImZ2hrvetKza07RHOfRPWiMCMPh6NIG/Voq3+Ygb28zc+cv6V7NYrHc+YajNObLbLP90zLMnppICAgICAgICAgIGFpnA9fQqU72LDsnkw3qfC4ECNcPjipKsCrKSGU5qRuIMDNTSHfAuf4iOcDGr6UEDV4jGFuMCSNUNHGhhl2vjqHrGHy3AAXyAHneBugYHsDR6x61YfAj6x9qpa4oJYueRI+yO8+V5py56Y+vVZaDhWo1k+5G1fGen+/gizWLXXE4y67XVUj/AMqmxuw5O+beG4d0rMuqvk5dIdroeCabS7W27VvGf0jpH1nzc4okZbzKoCGFQEPKoCGFYEPLuOjPQJq1fpLj6ukSKdx/EqZFhzCgn8x5qZP0WHefxJ+Dl/aDXxWn9NSec87eUd0fHr6eqUZZuPICAgICAgICAgICAgcnrfqp9JvVoWFb7S3sKwG4b+Dd/keYCOcQtSkxRwysM1YEEQKOuPOBUKkDtNTNWes2cRWsUzSnntkH4m7gRl68iHeu1heBpMTpWnQrgM4CqlR6jsxsgJv/AFEATFrRWN5bMWK+W8UpG8z3Q4fWXpIertJgwaabwcQwG2/4FPwjvO/eMjK3NrZnlT5uy4f7N0x7X1XO3+MdI9Z7/t6w4J3LEkkkkkliSSxOZJOZkCZ36uoiIrERHSAQPRDCoCGFYEPKoCHmXQ6par1Me4belBT263F7HelPmeBbId53SXp9NOT3p6fdScU4vTSxNKc7/bzn9vmmPCYZKSLTpqFRAFVRkoEtoiIjaHCXva9ptad5lemXkgICAgICAgICB4WA4wPYCAgYekMPSqjZq01qW4MinZ9coGifVDCu1+qKj5VqVLH3/aBtcFq9hqPwYdL8yNo+rXgZjqtJGYHZVQWItuHE7oHL6b1iCbLbQPJQeP8Au8CMtP4w4qsQW3C71G4IMvXfYDiWAlXrcu89iO523s3pJwYp1No535V9P99fSN2pdr5CwG4L8o/v3yC6iI2BAqEMKhDCoQwqQEsqqCzMbKiqWZzyVRvJma1m07RDVly0xV7V5iI83f6sdHbNapjeyuYwqtvb/quP6VPicxLLDo4jndyPEfaCbb003KPHv+Hh69fRJNGkqKFVQqqAFVQAFA3AADISe5iZmZ3lXDBAQEBAQEBAQEBA0emqZrIhRipzWoDusc0ccjzzHsQ2mHLbIuRe3Mke++B6cSAbHdx8ucCrFVtim757KlvGwvA1SYkkhe4G/O/H94GxowMkQNVp3FbCNcAgq6lTkeydxHfAiUULPYm9oZidp3aTEUzSprTPxuesqb94G8U1Pld+/bTlOftExO09X1XDeua34lfyxG1f1n/z8J8WKJ5SVQhhUIYelgBcmw5mHmZ2dTq5qPicXZnHUUj9t1PWVB9ymch95rZggGTcOjtbnbk53X+0GLDvTD71vHuj9/5zSdq/q1h8CtqNPtEWas/aq1PFuXcLDuljjx1pG1YchqtZm1Nu1ltv9o9IbibEUgICAgICAgICAgICBrcThaibRo7JBuTRe4FzmVbh4EccxA1dPS9amSGwVYHkqba/qW494Gt0lj8RRrpXr0SlLZIFiGCknJ9nI5d2/nAycPppKqEK1gQVtfgRbKBb0MzB9ljfZUAN8wu1j7wOnoGBkM9hA53Wg3oVPuja9M/a8CPDXBMDntKkmvUub/Dny2VsPTd5Sk1MbZbPpnBbxbQYpjw2+UzDFE0LNUIeVymhYqqglmIVVAuWYmyqBzJIEzETM7Q8ZL1pWb2naI5ylvU/UWnhgtXEAVK+4gHemHPJBkW++fK3G4waauON56vn3E+MZdXaaV5U8PH1/Z2ckqYgICAgICAgICAgICAgICAgU1EDAhgCCCCpAIIOYIPCBxmldRd5fC1Ng59U5Oz5MN4HcQYHuh8DVw7Fa7KW3EbLEgDhckDfuPtA6ShUgX3bdA1OkVuCDvBBBHOBF2mqa4dqlmyW6BiLsxdBa3EBS5/KOcianUTi5QveD8Kpred5nlbadvDaZ6+u0OcZyxJJuTmecqbWm07y77FipipGOkbRHKATD2qEMO96KNECpWqYhhcURsJ+Nh2j4hf65P0OPeZvLlfabVzWlcFf7uc+nd9fslSWbjCAgICAgICAgICAgICAgICAgICBy+Lr3xFU8m2f0gD9wYGXRqQMxHuIGHjhuMCF+lVCtWgwuPjFwfw/6yNqI323XPCMlqTbsztPL9XH4fSrrn2h6GQbYKz05OpxcUyV5ZI7X0ltMNpRH42PIzRbFaqzxazDl5RO0+E/zZsEYGa0iYmE2dHWC6nR9Hdvq7VUnntnsn9AT0l1padnFHzfOON5/wAXW38I935cp+u7pZIVJAQEBAQEBAQEBAQEBAQEBAQEBA4fEtatVPA1H/qMDMo1t0DMoVoDE3IgarB6Mo4nENSr0UqoaTNsugOyQygEE7we0d4mJiJ6vVL2pO9Z2aHWDoYoVLtg6zUW/lPepT8A3xr4ktNVsMT0WOLiV68rxuj7GdGWkqdXqxhesvlUp1KZpt37TEbP5rTTOKyfXX4Jjfd12rnRBiBY4rFrTX+VSBdiOW01gp8A0TpK2/MRx/Jh5Yvr0+X/AMTFhqC00RFFlRVVRyAFgPQSXEbRs5+1ptabT1lcmXkgICAgICAgICAgICAgICAgICB4TA5VcGXTatdjvt4wNdRqHrRTYFWJyYEX5kXz8oHW4LAqBfMwGkEULA1urFHaevVPMU18F3sfMkfpgdCDAQEBAQEBAQEBAQEBAQEBAQEBAQEBAQLWJNkf8LftA1Wi8hAuaQa9SmvK7eH2R+7ekDZUtywOd1jxgRGN4OvRDekMe9Ytd3KXJCF22R3hchfPzlHnyzkvM9z6fw3Q10mCldo7W3Odo33nnPPy6eijA42pQYNRqvTN73R2HqBuPnNdb2r+WUvNgx5o2yVifWEl6la+mqy0cWRtMQqVwAoYnJXA3Ak5EbjcCw42On1fans3cfxfgMYqzm03SOsfrH6xPPv3lIUnuVICAgICAgICAgICAgICAgICAgICBRWTaVhzBHqIGi0TVuq+AgXFqbVdzyIQeAG/3LQNjiKtlgRdr7pe96YO87vLifT95F1eXsY9u+V77P6KdRqovMe7TnPr3R8+fwcKJTvob2GFSNb+3McoYmN06aj6VOKwaMxu6Hq3Y5sVAIYnmVZCe8mXemydvHEz16PmvGNJGm1VqxG0Tzj493wneIb+b1WQEBAQEBAQEBAQEBAQEBAQEBAQEDlsF2HdPldl8gTs+1oFulWK1qoPByf1WYezCBs61TaWBD+ulMrizfIqCPU3lTrt/wASPR33svNf6O0R17U7/KNmjkN0T2B6IYSt0QseoxHIVE9dgX9tn0lnoPyT6uH9qIj8en/X9Z/276T3MEBAQEBAQEBAQEBAQEBAQEBAQEBA5zHLs4p/vBG9tn/LAwdK9mujZbaDzKmxPoy+kDYYY3WBHnSThbPSfh2l9d4/Yyv19eVbOu9lM3v5cXjET8uU/eHGStdk9gekwwnDo90QcLgUDrs1KhNV1Oa7VgoPIhFS44G8utNj7GOInq+bca1canV2tWd6xyj4dfnO7pZIVJAQEBAQEBAQEBAQEBAQEBAQEBAwqFU1CTtWW5sBYbvHOBRi8OC21e7AW37wQLm3uYGBpNaddFS1mDDZPynu7rXgZWF0KqD429d0DmddtH9fQqUxbbG9HJ3XG8Bu45XHPKa8uOMlJqm8P1ltHqK5o57dfOJ6oWTHqCVbsspIKtusRuIvlKa2C9Z6Po2HiWmy1ie1t6trgsDWr26mhUqXtvSk7Df3gWA75iMOSekS95Nfpccb3y1+cfZIupnR4yOtbGgXUhkw4a9iN4NQjcbfKCRz5Sfp9H2Z7V3KcV9oYy1nDpt4ies98x5eH3SVJ7lCAgICAgICAgICAgICAgICAgICAgaMaIrI7FK67BYkI1M3UE3ttBt/pAuVdG1jlWQf9pj/AJoGrxWhMRT+sFUVSpB6paeyTwJBLHK+UCv/ABHF22Rg6h79qmB6loGvxOjMdXP8FKYPz1lP9F4HW6NwC0aaKFXaVVBcKAWIFifOGd5ZkMEBAQEBAQEBAQEBAQEBAQEBAQEBAQEBAQEBAQEBAQEBAQEBAQEBAQEBAQEBAQEBAQEBAQEBAQEBAQEBAQEBAQEBAQEBAQEBA//Z"/>
+          <p:cNvSpPr>
+            <a:spLocks noChangeAspect="1" noChangeArrowheads="1"/>
+          </p:cNvSpPr>
+          <p:nvPr/>
+        </p:nvSpPr>
+        <p:spPr bwMode="auto">
+          <a:xfrm>
+            <a:off x="460375" y="160337"/>
+            <a:ext cx="304800" cy="304801"/>
+          </a:xfrm>
+          <a:prstGeom prst="rect">
+            <a:avLst/>
+          </a:prstGeom>
+          <a:noFill/>
+          <a:extLst>
+            <a:ext uri="{909E8E84-426E-40DD-AFC4-6F175D3DCCD1}">
+              <a14:hiddenFill xmlns:a14="http://schemas.microsoft.com/office/drawing/2010/main">
+                <a:solidFill>
+                  <a:srgbClr val="FFFFFF"/>
+                </a:solidFill>
+              </a14:hiddenFill>
+            </a:ext>
+          </a:extLst>
+        </p:spPr>
+        <p:txBody>
+          <a:bodyPr vert="horz" wrap="square" lIns="91440" tIns="45720" rIns="91440" bIns="45720" numCol="1" anchor="t" anchorCtr="0" compatLnSpc="1">
+            <a:prstTxWarp prst="textNoShape">
+              <a:avLst/>
+            </a:prstTxWarp>
+          </a:bodyPr>
+          <a:lstStyle/>
+          <a:p>
+            <a:endParaRPr lang="pt-BR"/>
+          </a:p>
+        </p:txBody>
+      </p:sp>
+      <p:pic>
+        <p:nvPicPr>
+          <p:cNvPr id="2058" name="Picture 10" descr="http://www.colsan.org.br/site/images/bonecoDuvida.jpg"/>
+          <p:cNvPicPr>
+            <a:picLocks noChangeAspect="1" noChangeArrowheads="1"/>
+          </p:cNvPicPr>
+          <p:nvPr/>
+        </p:nvPicPr>
+        <p:blipFill>
+          <a:blip r:embed="rId2">
+            <a:extLst>
+              <a:ext uri="{28A0092B-C50C-407E-A947-70E740481C1C}">
+                <a14:useLocalDpi xmlns:a14="http://schemas.microsoft.com/office/drawing/2010/main" val="0"/>
+              </a:ext>
+            </a:extLst>
+          </a:blip>
+          <a:srcRect/>
+          <a:stretch>
+            <a:fillRect/>
+          </a:stretch>
+        </p:blipFill>
+        <p:spPr bwMode="auto">
+          <a:xfrm>
+            <a:off x="2771800" y="1595813"/>
+            <a:ext cx="3744416" cy="5262187"/>
+          </a:xfrm>
+          <a:prstGeom prst="rect">
+            <a:avLst/>
+          </a:prstGeom>
+          <a:noFill/>
+          <a:extLst>
+            <a:ext uri="{909E8E84-426E-40DD-AFC4-6F175D3DCCD1}">
+              <a14:hiddenFill xmlns:a14="http://schemas.microsoft.com/office/drawing/2010/main">
+                <a:solidFill>
+                  <a:srgbClr val="FFFFFF"/>
+                </a:solidFill>
+              </a14:hiddenFill>
+            </a:ext>
+          </a:extLst>
+        </p:spPr>
+      </p:pic>
+    </p:spTree>
+    <p:extLst>
+      <p:ext uri="{BB962C8B-B14F-4D97-AF65-F5344CB8AC3E}">
+        <p14:creationId xmlns:p14="http://schemas.microsoft.com/office/powerpoint/2010/main" val="4025009510"/>
+      </p:ext>
+    </p:extLst>
+  </p:cSld>
+  <p:clrMapOvr>
+    <a:masterClrMapping/>
+  </p:clrMapOvr>
+  <p:timing>
+    <p:tnLst>
+      <p:par>
+        <p:cTn id="1" dur="indefinite" restart="never" nodeType="tmRoot"/>
+      </p:par>
+    </p:tnLst>
+  </p:timing>
+</p:sld>
+</file>
+
+<file path=ppt/slides/slide12.xml><?xml version="1.0" encoding="utf-8"?>
+<p:sld xmlns:a="http://schemas.openxmlformats.org/drawingml/2006/main" xmlns:r="http://schemas.openxmlformats.org/officeDocument/2006/relationships" xmlns:p="http://schemas.openxmlformats.org/presentationml/2006/main">
+  <p:cSld>
+    <p:spTree>
+      <p:nvGrpSpPr>
+        <p:cNvPr id="1" name=""/>
+        <p:cNvGrpSpPr/>
+        <p:nvPr/>
+      </p:nvGrpSpPr>
+      <p:grpSpPr>
+        <a:xfrm>
+          <a:off x="0" y="0"/>
+          <a:ext cx="0" cy="0"/>
+          <a:chOff x="0" y="0"/>
+          <a:chExt cx="0" cy="0"/>
+        </a:xfrm>
+      </p:grpSpPr>
+      <p:sp>
+        <p:nvSpPr>
+          <p:cNvPr id="2" name="Título 1"/>
+          <p:cNvSpPr>
+            <a:spLocks noGrp="1"/>
+          </p:cNvSpPr>
+          <p:nvPr>
+            <p:ph type="title"/>
+          </p:nvPr>
+        </p:nvSpPr>
+        <p:spPr/>
+        <p:txBody>
+          <a:bodyPr/>
+          <a:lstStyle/>
+          <a:p>
+            <a:pPr algn="ctr"/>
+            <a:r>
+              <a:rPr lang="pt-BR" dirty="0" smtClean="0"/>
+              <a:t>Obrigado!</a:t>
+            </a:r>
+            <a:endParaRPr lang="pt-BR" dirty="0"/>
+          </a:p>
+        </p:txBody>
+      </p:sp>
+      <p:sp>
+        <p:nvSpPr>
+          <p:cNvPr id="3" name="Espaço Reservado para Conteúdo 2"/>
+          <p:cNvSpPr>
+            <a:spLocks noGrp="1"/>
+          </p:cNvSpPr>
+          <p:nvPr>
+            <p:ph idx="1"/>
+          </p:nvPr>
+        </p:nvSpPr>
+        <p:spPr/>
+        <p:txBody>
+          <a:bodyPr/>
+          <a:lstStyle/>
+          <a:p>
+            <a:r>
+              <a:rPr lang="pt-BR" dirty="0" smtClean="0"/>
+              <a:t>Mathias Neves Tavares</a:t>
+            </a:r>
+          </a:p>
+          <a:p>
+            <a:r>
+              <a:rPr lang="pt-BR" dirty="0" smtClean="0"/>
+              <a:t>Pedro </a:t>
+            </a:r>
+            <a:r>
+              <a:rPr lang="pt-BR" dirty="0" err="1" smtClean="0"/>
+              <a:t>Cerioni</a:t>
+            </a:r>
+            <a:r>
+              <a:rPr lang="pt-BR" dirty="0" smtClean="0"/>
+              <a:t> </a:t>
+            </a:r>
+            <a:r>
+              <a:rPr lang="pt-BR" dirty="0" err="1" smtClean="0"/>
+              <a:t>Tognato</a:t>
+            </a:r>
+            <a:endParaRPr lang="pt-BR" dirty="0" smtClean="0"/>
+          </a:p>
+          <a:p>
+            <a:r>
+              <a:rPr lang="pt-BR" dirty="0" smtClean="0"/>
+              <a:t>Rafael Souza da Silva</a:t>
+            </a:r>
+          </a:p>
+          <a:p>
+            <a:endParaRPr lang="pt-BR" dirty="0"/>
+          </a:p>
+          <a:p>
+            <a:r>
+              <a:rPr lang="pt-BR" dirty="0" smtClean="0"/>
+              <a:t>Prof.º Leonardo Muniz – Complemento de Banco de Dados</a:t>
+            </a:r>
+          </a:p>
+          <a:p>
+            <a:endParaRPr lang="pt-BR" dirty="0"/>
+          </a:p>
+          <a:p>
+            <a:r>
+              <a:rPr lang="pt-BR" dirty="0" smtClean="0"/>
+              <a:t>Análise e Desenvolvimento de Sistemas – 5º Semestre</a:t>
+            </a:r>
+          </a:p>
+          <a:p>
+            <a:endParaRPr lang="pt-BR" dirty="0"/>
+          </a:p>
+          <a:p>
+            <a:endParaRPr lang="pt-BR" dirty="0" smtClean="0"/>
+          </a:p>
+          <a:p>
+            <a:r>
+              <a:rPr lang="pt-BR" dirty="0" smtClean="0"/>
+              <a:t>São Bernardo do Campo, 2016</a:t>
+            </a:r>
+            <a:endParaRPr lang="pt-BR" dirty="0"/>
+          </a:p>
+        </p:txBody>
+      </p:sp>
+    </p:spTree>
+    <p:extLst>
+      <p:ext uri="{BB962C8B-B14F-4D97-AF65-F5344CB8AC3E}">
+        <p14:creationId xmlns:p14="http://schemas.microsoft.com/office/powerpoint/2010/main" val="3388298712"/>
+      </p:ext>
+    </p:extLst>
+  </p:cSld>
+  <p:clrMapOvr>
+    <a:masterClrMapping/>
+  </p:clrMapOvr>
+  <p:timing>
+    <p:tnLst>
+      <p:par>
+        <p:cTn id="1" dur="indefinite" restart="never" nodeType="tmRoot"/>
+      </p:par>
+    </p:tnLst>
+  </p:timing>
+</p:sld>
+</file>
+
 <file path=ppt/slides/slide2.xml><?xml version="1.0" encoding="utf-8"?>
 <p:sld xmlns:a="http://schemas.openxmlformats.org/drawingml/2006/main" xmlns:r="http://schemas.openxmlformats.org/officeDocument/2006/relationships" xmlns:p="http://schemas.openxmlformats.org/presentationml/2006/main">
   <p:cSld>
@@ -4122,11 +4607,7 @@
           <a:p>
             <a:r>
               <a:rPr lang="pt-BR" dirty="0" smtClean="0"/>
-              <a:t>Exemplos de </a:t>
-            </a:r>
-            <a:r>
-              <a:rPr lang="pt-BR" dirty="0" err="1" smtClean="0"/>
-              <a:t>Algorítmos</a:t>
+              <a:t>Ferramentas de Data Mining</a:t>
             </a:r>
             <a:endParaRPr lang="pt-BR" dirty="0"/>
           </a:p>
@@ -4142,18 +4623,27 @@
             <p:ph idx="1"/>
           </p:nvPr>
         </p:nvSpPr>
-        <p:spPr/>
-        <p:txBody>
-          <a:bodyPr/>
-          <a:lstStyle/>
-          <a:p>
+        <p:spPr>
+          <a:xfrm>
+            <a:off x="398851" y="1412776"/>
+            <a:ext cx="8229600" cy="4876800"/>
+          </a:xfrm>
+        </p:spPr>
+        <p:txBody>
+          <a:bodyPr/>
+          <a:lstStyle/>
+          <a:p>
+            <a:r>
+              <a:rPr lang="pt-BR" dirty="0" smtClean="0"/>
+              <a:t>SAS Enterprise Miner</a:t>
+            </a:r>
             <a:endParaRPr lang="pt-BR" dirty="0"/>
           </a:p>
         </p:txBody>
       </p:sp>
       <p:pic>
         <p:nvPicPr>
-          <p:cNvPr id="2050" name="Picture 2" descr="https://d30y9cdsu7xlg0.cloudfront.net/png/30208-200.png"/>
+          <p:cNvPr id="2050" name="Picture 2"/>
           <p:cNvPicPr>
             <a:picLocks noChangeAspect="1" noChangeArrowheads="1"/>
           </p:cNvPicPr>
@@ -4174,20 +4664,105 @@
         </p:blipFill>
         <p:spPr bwMode="auto">
           <a:xfrm>
-            <a:off x="7215630" y="5085184"/>
-            <a:ext cx="1905000" cy="1905000"/>
+            <a:off x="679201" y="1988840"/>
+            <a:ext cx="6485087" cy="4665116"/>
           </a:xfrm>
           <a:prstGeom prst="rect">
             <a:avLst/>
           </a:prstGeom>
           <a:noFill/>
+          <a:ln>
+            <a:noFill/>
+          </a:ln>
+          <a:effectLst/>
           <a:extLst>
             <a:ext uri="{909E8E84-426E-40DD-AFC4-6F175D3DCCD1}">
               <a14:hiddenFill xmlns:a14="http://schemas.microsoft.com/office/drawing/2010/main">
                 <a:solidFill>
-                  <a:srgbClr val="FFFFFF"/>
+                  <a:schemeClr val="accent1"/>
                 </a:solidFill>
               </a14:hiddenFill>
+            </a:ext>
+            <a:ext uri="{91240B29-F687-4F45-9708-019B960494DF}">
+              <a14:hiddenLine xmlns:a14="http://schemas.microsoft.com/office/drawing/2010/main" w="9525">
+                <a:solidFill>
+                  <a:schemeClr val="tx1"/>
+                </a:solidFill>
+                <a:miter lim="800000"/>
+                <a:headEnd/>
+                <a:tailEnd/>
+              </a14:hiddenLine>
+            </a:ext>
+            <a:ext uri="{AF507438-7753-43E0-B8FC-AC1667EBCBE1}">
+              <a14:hiddenEffects xmlns:a14="http://schemas.microsoft.com/office/drawing/2010/main">
+                <a:effectLst>
+                  <a:outerShdw dist="35921" dir="2700000" algn="ctr" rotWithShape="0">
+                    <a:schemeClr val="bg2"/>
+                  </a:outerShdw>
+                </a:effectLst>
+              </a14:hiddenEffects>
+            </a:ext>
+          </a:extLst>
+        </p:spPr>
+      </p:pic>
+      <p:pic>
+        <p:nvPicPr>
+          <p:cNvPr id="2052" name="Picture 4"/>
+          <p:cNvPicPr>
+            <a:picLocks noChangeAspect="1" noChangeArrowheads="1"/>
+          </p:cNvPicPr>
+          <p:nvPr/>
+        </p:nvPicPr>
+        <p:blipFill rotWithShape="1">
+          <a:blip r:embed="rId3">
+            <a:extLst>
+              <a:ext uri="{28A0092B-C50C-407E-A947-70E740481C1C}">
+                <a14:useLocalDpi xmlns:a14="http://schemas.microsoft.com/office/drawing/2010/main" val="0"/>
+              </a:ext>
+            </a:extLst>
+          </a:blip>
+          <a:srcRect l="15673" t="31279" r="17834" b="28201"/>
+          <a:stretch/>
+        </p:blipFill>
+        <p:spPr bwMode="auto">
+          <a:xfrm>
+            <a:off x="7164288" y="1268760"/>
+            <a:ext cx="1773382" cy="1080656"/>
+          </a:xfrm>
+          <a:prstGeom prst="rect">
+            <a:avLst/>
+          </a:prstGeom>
+          <a:noFill/>
+          <a:ln>
+            <a:noFill/>
+          </a:ln>
+          <a:effectLst/>
+          <a:extLst>
+            <a:ext uri="{909E8E84-426E-40DD-AFC4-6F175D3DCCD1}">
+              <a14:hiddenFill xmlns:a14="http://schemas.microsoft.com/office/drawing/2010/main">
+                <a:solidFill>
+                  <a:schemeClr val="accent1"/>
+                </a:solidFill>
+              </a14:hiddenFill>
+            </a:ext>
+            <a:ext uri="{91240B29-F687-4F45-9708-019B960494DF}">
+              <a14:hiddenLine xmlns:a14="http://schemas.microsoft.com/office/drawing/2010/main" w="9525">
+                <a:solidFill>
+                  <a:schemeClr val="tx1"/>
+                </a:solidFill>
+                <a:miter lim="800000"/>
+                <a:headEnd/>
+                <a:tailEnd/>
+              </a14:hiddenLine>
+            </a:ext>
+            <a:ext uri="{AF507438-7753-43E0-B8FC-AC1667EBCBE1}">
+              <a14:hiddenEffects xmlns:a14="http://schemas.microsoft.com/office/drawing/2010/main">
+                <a:effectLst>
+                  <a:outerShdw dist="35921" dir="2700000" algn="ctr" rotWithShape="0">
+                    <a:schemeClr val="bg2"/>
+                  </a:outerShdw>
+                </a:effectLst>
+              </a14:hiddenEffects>
             </a:ext>
           </a:extLst>
         </p:spPr>
@@ -4195,7 +4770,7 @@
     </p:spTree>
     <p:extLst>
       <p:ext uri="{BB962C8B-B14F-4D97-AF65-F5344CB8AC3E}">
-        <p14:creationId xmlns:p14="http://schemas.microsoft.com/office/powerpoint/2010/main" val="3619807138"/>
+        <p14:creationId xmlns:p14="http://schemas.microsoft.com/office/powerpoint/2010/main" val="4154612875"/>
       </p:ext>
     </p:extLst>
   </p:cSld>
@@ -4246,45 +4821,53 @@
           <a:p>
             <a:r>
               <a:rPr lang="pt-BR" dirty="0" smtClean="0"/>
-              <a:t>Data </a:t>
+              <a:t>Ferramentas de Data Mining</a:t>
+            </a:r>
+            <a:endParaRPr lang="pt-BR" dirty="0"/>
+          </a:p>
+        </p:txBody>
+      </p:sp>
+      <p:sp>
+        <p:nvSpPr>
+          <p:cNvPr id="3" name="Espaço Reservado para Conteúdo 2"/>
+          <p:cNvSpPr>
+            <a:spLocks noGrp="1"/>
+          </p:cNvSpPr>
+          <p:nvPr>
+            <p:ph idx="1"/>
+          </p:nvPr>
+        </p:nvSpPr>
+        <p:spPr/>
+        <p:txBody>
+          <a:bodyPr/>
+          <a:lstStyle/>
+          <a:p>
+            <a:r>
+              <a:rPr lang="pt-BR" dirty="0" smtClean="0"/>
+              <a:t>IBM </a:t>
             </a:r>
             <a:r>
               <a:rPr lang="pt-BR" dirty="0" err="1" smtClean="0"/>
-              <a:t>Warehouse</a:t>
-            </a:r>
-            <a:endParaRPr lang="pt-BR" dirty="0"/>
-          </a:p>
-        </p:txBody>
-      </p:sp>
-      <p:sp>
-        <p:nvSpPr>
-          <p:cNvPr id="3" name="Espaço Reservado para Conteúdo 2"/>
-          <p:cNvSpPr>
-            <a:spLocks noGrp="1"/>
-          </p:cNvSpPr>
-          <p:nvPr>
-            <p:ph idx="1"/>
-          </p:nvPr>
-        </p:nvSpPr>
-        <p:spPr/>
-        <p:txBody>
-          <a:bodyPr/>
-          <a:lstStyle/>
-          <a:p>
+              <a:t>Intelligent</a:t>
+            </a:r>
+            <a:r>
+              <a:rPr lang="pt-BR" dirty="0" smtClean="0"/>
+              <a:t> Miner</a:t>
+            </a:r>
             <a:endParaRPr lang="pt-BR" dirty="0"/>
           </a:p>
         </p:txBody>
       </p:sp>
       <p:pic>
         <p:nvPicPr>
-          <p:cNvPr id="4098" name="Picture 2" descr="http://semanticbits.com/semanticbits/wp-content/uploads/2014/04/stock-photo-20696927-database-and-networking-concept.jpg"/>
+          <p:cNvPr id="3074" name="Picture 2" descr="http://www.ibm.com/developerworks/data/library/techarticle/dm-0609bendel/visualizer.jpg"/>
           <p:cNvPicPr>
             <a:picLocks noChangeAspect="1" noChangeArrowheads="1"/>
           </p:cNvPicPr>
           <p:nvPr/>
         </p:nvPicPr>
         <p:blipFill>
-          <a:blip r:embed="rId2" cstate="print">
+          <a:blip r:embed="rId2">
             <a:extLst>
               <a:ext uri="{28A0092B-C50C-407E-A947-70E740481C1C}">
                 <a14:useLocalDpi xmlns:a14="http://schemas.microsoft.com/office/drawing/2010/main" val="0"/>
@@ -4298,8 +4881,49 @@
         </p:blipFill>
         <p:spPr bwMode="auto">
           <a:xfrm>
-            <a:off x="5900775" y="4697760"/>
-            <a:ext cx="3243225" cy="2160240"/>
+            <a:off x="827584" y="2132856"/>
+            <a:ext cx="4268101" cy="4365104"/>
+          </a:xfrm>
+          <a:prstGeom prst="rect">
+            <a:avLst/>
+          </a:prstGeom>
+          <a:noFill/>
+          <a:extLst>
+            <a:ext uri="{909E8E84-426E-40DD-AFC4-6F175D3DCCD1}">
+              <a14:hiddenFill xmlns:a14="http://schemas.microsoft.com/office/drawing/2010/main">
+                <a:solidFill>
+                  <a:srgbClr val="FFFFFF"/>
+                </a:solidFill>
+              </a14:hiddenFill>
+            </a:ext>
+          </a:extLst>
+        </p:spPr>
+      </p:pic>
+      <p:pic>
+        <p:nvPicPr>
+          <p:cNvPr id="3076" name="Picture 4" descr="https://upload.wikimedia.org/wikipedia/commons/thumb/5/51/IBM_logo.svg/200px-IBM_logo.svg.png"/>
+          <p:cNvPicPr>
+            <a:picLocks noChangeAspect="1" noChangeArrowheads="1"/>
+          </p:cNvPicPr>
+          <p:nvPr/>
+        </p:nvPicPr>
+        <p:blipFill>
+          <a:blip r:embed="rId3">
+            <a:extLst>
+              <a:ext uri="{28A0092B-C50C-407E-A947-70E740481C1C}">
+                <a14:useLocalDpi xmlns:a14="http://schemas.microsoft.com/office/drawing/2010/main" val="0"/>
+              </a:ext>
+            </a:extLst>
+          </a:blip>
+          <a:srcRect/>
+          <a:stretch>
+            <a:fillRect/>
+          </a:stretch>
+        </p:blipFill>
+        <p:spPr bwMode="auto">
+          <a:xfrm>
+            <a:off x="6300192" y="2420888"/>
+            <a:ext cx="2277458" cy="910983"/>
           </a:xfrm>
           <a:prstGeom prst="rect">
             <a:avLst/>
@@ -4319,7 +4943,7 @@
     </p:spTree>
     <p:extLst>
       <p:ext uri="{BB962C8B-B14F-4D97-AF65-F5344CB8AC3E}">
-        <p14:creationId xmlns:p14="http://schemas.microsoft.com/office/powerpoint/2010/main" val="3441359631"/>
+        <p14:creationId xmlns:p14="http://schemas.microsoft.com/office/powerpoint/2010/main" val="1143034639"/>
       </p:ext>
     </p:extLst>
   </p:cSld>
@@ -4369,8 +4993,12 @@
           <a:lstStyle/>
           <a:p>
             <a:r>
+              <a:rPr lang="pt-BR" dirty="0" err="1" smtClean="0"/>
+              <a:t>Machine</a:t>
+            </a:r>
+            <a:r>
               <a:rPr lang="pt-BR" dirty="0" smtClean="0"/>
-              <a:t>Dúvidas?</a:t>
+              <a:t> Learning</a:t>
             </a:r>
             <a:endParaRPr lang="pt-BR" dirty="0"/>
           </a:p>
@@ -4378,166 +5006,71 @@
       </p:sp>
       <p:sp>
         <p:nvSpPr>
-          <p:cNvPr id="4" name="AutoShape 4" descr="data:image/jpeg;base64,/9j/4AAQSkZJRgABAQAAAQABAAD/2wCEAAkGBxQQEBEUEhAWFhUUFBMUFhAVDxAXFQ8XGBYWFhYVFxUYHCggHRolHRQTJjEhJikrLi4vFx8zODUtNygtLisBCgoKDg0OGhAQGywmICQsLCwwNC8sLzU0LSw0LCwsLCwsLCwsLCwsNSwsLywsLC4yNCwsLDUsLCwsLCwtLCwsNP/AABEIAOEA4QMBEQACEQEDEQH/xAAcAAEAAQUBAQAAAAAAAAAAAAAABwIDBAUGAQj/xABBEAACAQICBggCCAQEBwAAAAABAgADEQQxBQYSIUFRBxMiYXGBkaEyUhQjQmJygpKxM1Oy0RXC4fAkQ3ODosHD/8QAGwEBAAIDAQEAAAAAAAAAAAAAAAQFAQMGAgf/xAA1EQEAAgECAwUGBQQDAQEAAAAAAQIDBBEFITESQVFhcQYigZGhsRMywdHwFEJS4TNywvEj/9oADAMBAAIRAxEAPwCcYCAgICAgICAgICAgICAgUVKqr8TAeJAmN3qKzbpClcQhNg6k8gwjeGZx3jnMSuzLwQEBAQEBAQEBAQEBAQEBAQEBAQEBAQEC3iK600Z3YKqi5ZiAFHMkzEzERvL3SlslorSN5nuhHmn+lBVuuDp7Z/nVAQv5U3MfO3gZAy66I5Uh1Wh9l7W97U228o6/GekfDf1hw2ktbMZiD9Zintv7KHq18LJa/neQ76jJbrLpdPwnR4PyY49Z5z9d/o0zm5JJuTmSbk+c0rCIiI2hTaGWZg9KVqNuqr1EtwWq4HoDa09VyWr0mWjLpcGX/kpWfWIdLozpHxlI9tlrLydAGt3Mlve8k01mSvXmp9R7N6LLHuRNZ8p/Sd/ps7TQvSVha1lrBqDHi3ap3/GMvMASXj1tLcp5Od1fs1qsPPHtePLlPy/aZdlQrLUUMjBlYXDKwKsOYI3GS4mJjeHP3palpraNpjxXJl5ICAgICAgICAgICAgICAgICAgYel9J08LSarVayr5liclUcSZ4veKV7VkjS6bJqckY8cbzP085QjrXrRVx9S7ErTB7FEHsryJ+Zu/076fPntlnyfRuGcLxaKnLnaes/wA6R5fNoJoWhA8gICB7AQNloTTtfBttUKpXfcpmj/iQ7vPPkZsx5b453rKJq9Dp9XXs5q7+ffHpP8jySpqp0gUsWRTrAUaxsBdvq6p+6xyP3T3WJlnh1db8rcpcTxL2fzabfJi96n1j1j9Y+MQ7OS3PEBAQEBAQEBAQEBAQEBAQECirVCKzMQFUFixNgoAuSTymJnbnL1Ws2mK1jeZQnr1rM2NrWW4pL/DXuP2yPmYei2HFpTanP+Jbl0fReDcMrpMW8/mnr+0eUfWd/CHLSOunkMkBAQED2AgIYLQO+1H18ahs0cUxalklY3LUe5uJT3HeMp2n1c192/Ry/GOA1zb5tPG1u+O6fTwn6T69ZZRgQCCCCLgg3BByIMtHDzExO0vYYICAgICAgICAgICAgICBGnSFrL1tR8LTP1dFS+Ia/wDEYEBaNxw22QHvPCxvW6zPv7lfi7DgfDPw6Rqcn5rTtTyjvt8t5j/cI1qOWJJNySSTzJzle7CIiI2hRDJDJaBi4rHpT3Zn5Rw8TNlMVrIWfXY8XLrLAbTDcEHmTN0aePFXzxa/dWHqaZPFB5GYnT+EvVeLz/dX5Sy6Ok0bM2Pf/ea7YbQm4uIYMnLfafP+bM1TfKak17A9hgtAkHo21tNJ1wtdvq2NqTk/wmOSH7p4cjuyO6fpNRtPYt07nK8f4TGSs6nFHvR+aPGPH1jv8Y9OcqyzcSQEBAQEBAQEBAQEBAQNFrtp36Bg6lUW2/gp3y22yPkATb7s058nYpvHXuWPC9HGq1EUt+WOdvSP36fF83VNOVLvYkq5Ba5N6hFzcnjvJMrYwbxznm7O/EtskdisdmOUenl4MrDaSV89x5GabYrVWODXYcvLfafCWZea00gXsPorFYrsYSg9RuLgALTHe7WUMe85SRgwzfnspuKcSx6aOx2tpln0+h/SLC56lT8prG4/SpHvLD8GzlbcTxb97X6R6MtJUbn6L1gAvtUqlN/ILfaPpPM4rQ901+C3fs5TFYV6TFKlNkYZo6MrDxB3zxMTHVLrato3rO6zMMr2HxLIeyfLhPFqVt1SMGqyYZ92eXh3N3gdICpuO5uUiZMU1X+l1lM8bdLeH7M6a0t7DBaBNXR5rAcZhtmo161GyuTm6/YfzAse9Tzlzpc34lOfWHzvjnD40uftUj3Lc48p74/bymHVSSpCAgICAgICAgICAgIHD9KmqVfSdGiMPUUGkzsaTkgVrgW7XAixtfd2jvE1Zcfb28k/Q6z+n7UTHK230/n0QHpjQuIwb7GJoPSbhtLua2ZVh2WHeCZGtWa9V3izUyRvSd2vnlsZOHxrpkbjkZrtirZMwa7Nh5RO8eEtvgMd1rKgUl2IVUAJLk7gFtmZHnBbflzW1OKYJrM3ns7eP7vpDVrRIweFpURmq3c/PUO929SbchYcJc46RSsVh841mptqc1stu+fp3R8m0ntGIGFpTRNHFJsYiilVeToDs94OYPeJiYier3S9qTvWdkW63dDikNU0e5Bz+i1GuG7kqHePBr55iabYf8Vng4lMcsnzRDjcI9Co1OqjI6GzIwIKnvHpI8xtylbUvF47VeiypsbjOYnm2VtNZ3jq6HRmL6xbHMSDkp2ZdNpNR+Pj3nrHX92fNaQ9EDeam6X+h4ylUJsjHq6nLYa289wIVvyzdp8n4eSJ7lZxbSf1WltSOsc49Y/eN4+KdpePmhAQEBAQEBAQEBAQEBAsY3B066FKtNaiHNHRWU+RhmJmJ3hG+s3Q5h613wdQ0Hz6prvSPh9pd/G5HdNNsMT0WGHiN68r84+qLtMaiY/C1Aj4V22m2VekpqI5O4WZcvBrGaJx2haY9ZhvG+/zTJ0bdHyaOQVqwD4phnmuHBzRPvc28huveRjx9nn3qjV6yc09mv5fu7ybUEgICAgcj0hakU9J0SQAuJQfVVrfFa56tzxQ3P4SbjiDrvSLQl6XVWw28u985V8I1N3SopV0YqynNWBsQfMSFaduTqMVYvEWjpLIwR2GB9Zoye9Cz0m+O8T8HREW9j5EAj2IkVbxO4IFVrwxunfVDSH0jA4eoTdtjZY82QlGPmVJ85e4L9vHEvmXFNP+Bq8mOOm+8ek84+ktxNqAQEBAQEBAQEBAQEDxmAFzAtq5OQsOZ/tAq2Tz9hAoaoVzFx3ZwK6VUMNx/wBIFcBAQEBAQIZ6a9Xwleli0WwrfV1PxqOy3iVuPySFqq7bWdPwHN24tinu5x6d/wDPNHCU5BmzqqYnRVx2MOeLUQT32q1UHsizTLfjn3rx4W/81n7zK0JhsViHlLHRRXLYOop+xXYDwZUb92aW2hnfHt5uG9paRXVVt41j7zH2iHayY54gICAgICAgICAgeMbC54ceUDXpW6xr8OA/9+MDOpndArgUVTuganE1SjbS5jh8w5GBtcPWFRQy5EenMeMC5AQEBAQOL6XKQbRrXzWrTZe43K/szSLq/wDjXns7v/WxEd8ShFUlRMvotabN1j2uyr/Lp06e7mqjb/8AMvEzui4Y2rM+MzPznl9NlkCYbJVgQ8ylDokH/D4jl1w9erS/7iWmg/JPq4v2nn/98f8A1/WXdyc5ogICAgICAgICAga/TlfYpW+Zgv7k+wMDDw1bdAzqVeBeNeBYq14GrxtbdAuaq4ra65PlZWH5gQR6r7wN/AQEBAQI36ZdKAUqOHB7TN1rDkqgqt/Ek/okDXX5RX4uu9lNLM5L556RHZj1nnPyj7ouw6bweWUrHaXnlsygIaVQEPMrgEPMpb6L8NsYDa/m1aj+lqf/AM5b6Ku2LfxcH7Q5O3rOz/jER+v6uuktRkBAQEBAQEBAQEDRa3NalTblVF/NWH9vWBqsPi90DMp4uBd+l98CzVxcDV43GbjvgZWoZLVMQ3C1MefaP+/GB2MBAQEDk9Z9eqGEDJTIrVshTU3VDzdxuFuQ3+Gci5tVTHyjnK84dwLPqpi147NPGes+kfr0+yH9IYp8TVetWbadzcngOQA5ASpvebz2pd9gxY9PijFijaIWwJ5elYEMSqAh5ldp0yxCqLsxCqvFmJsoHiSJmImZ2hrvetKza07RHOfRPWiMCMPh6NIG/Voq3+Ygb28zc+cv6V7NYrHc+YajNObLbLP90zLMnppICAgICAgICAgIGFpnA9fQqU72LDsnkw3qfC4ECNcPjipKsCrKSGU5qRuIMDNTSHfAuf4iOcDGr6UEDV4jGFuMCSNUNHGhhl2vjqHrGHy3AAXyAHneBugYHsDR6x61YfAj6x9qpa4oJYueRI+yO8+V5py56Y+vVZaDhWo1k+5G1fGen+/gizWLXXE4y67XVUj/AMqmxuw5O+beG4d0rMuqvk5dIdroeCabS7W27VvGf0jpH1nzc4okZbzKoCGFQEPKoCGFYEPLuOjPQJq1fpLj6ukSKdx/EqZFhzCgn8x5qZP0WHefxJ+Dl/aDXxWn9NSec87eUd0fHr6eqUZZuPICAgICAgICAgICAgcnrfqp9JvVoWFb7S3sKwG4b+Dd/keYCOcQtSkxRwysM1YEEQKOuPOBUKkDtNTNWes2cRWsUzSnntkH4m7gRl68iHeu1heBpMTpWnQrgM4CqlR6jsxsgJv/AFEATFrRWN5bMWK+W8UpG8z3Q4fWXpIertJgwaabwcQwG2/4FPwjvO/eMjK3NrZnlT5uy4f7N0x7X1XO3+MdI9Z7/t6w4J3LEkkkkkliSSxOZJOZkCZ36uoiIrERHSAQPRDCoCGFYEPKoCHmXQ6par1Me4belBT263F7HelPmeBbId53SXp9NOT3p6fdScU4vTSxNKc7/bzn9vmmPCYZKSLTpqFRAFVRkoEtoiIjaHCXva9ptad5lemXkgICAgICAgICB4WA4wPYCAgYekMPSqjZq01qW4MinZ9coGifVDCu1+qKj5VqVLH3/aBtcFq9hqPwYdL8yNo+rXgZjqtJGYHZVQWItuHE7oHL6b1iCbLbQPJQeP8Au8CMtP4w4qsQW3C71G4IMvXfYDiWAlXrcu89iO523s3pJwYp1No535V9P99fSN2pdr5CwG4L8o/v3yC6iI2BAqEMKhDCoQwqQEsqqCzMbKiqWZzyVRvJma1m07RDVly0xV7V5iI83f6sdHbNapjeyuYwqtvb/quP6VPicxLLDo4jndyPEfaCbb003KPHv+Hh69fRJNGkqKFVQqqAFVQAFA3AADISe5iZmZ3lXDBAQEBAQEBAQEBA0emqZrIhRipzWoDusc0ccjzzHsQ2mHLbIuRe3Mke++B6cSAbHdx8ucCrFVtim757KlvGwvA1SYkkhe4G/O/H94GxowMkQNVp3FbCNcAgq6lTkeydxHfAiUULPYm9oZidp3aTEUzSprTPxuesqb94G8U1Pld+/bTlOftExO09X1XDeua34lfyxG1f1n/z8J8WKJ5SVQhhUIYelgBcmw5mHmZ2dTq5qPicXZnHUUj9t1PWVB9ymch95rZggGTcOjtbnbk53X+0GLDvTD71vHuj9/5zSdq/q1h8CtqNPtEWas/aq1PFuXcLDuljjx1pG1YchqtZm1Nu1ltv9o9IbibEUgICAgICAgICAgICBrcThaibRo7JBuTRe4FzmVbh4EccxA1dPS9amSGwVYHkqba/qW494Gt0lj8RRrpXr0SlLZIFiGCknJ9nI5d2/nAycPppKqEK1gQVtfgRbKBb0MzB9ljfZUAN8wu1j7wOnoGBkM9hA53Wg3oVPuja9M/a8CPDXBMDntKkmvUub/Dny2VsPTd5Sk1MbZbPpnBbxbQYpjw2+UzDFE0LNUIeVymhYqqglmIVVAuWYmyqBzJIEzETM7Q8ZL1pWb2naI5ylvU/UWnhgtXEAVK+4gHemHPJBkW++fK3G4waauON56vn3E+MZdXaaV5U8PH1/Z2ckqYgICAgICAgICAgICAgICAgU1EDAhgCCCCpAIIOYIPCBxmldRd5fC1Ng59U5Oz5MN4HcQYHuh8DVw7Fa7KW3EbLEgDhckDfuPtA6ShUgX3bdA1OkVuCDvBBBHOBF2mqa4dqlmyW6BiLsxdBa3EBS5/KOcianUTi5QveD8Kpred5nlbadvDaZ6+u0OcZyxJJuTmecqbWm07y77FipipGOkbRHKATD2qEMO96KNECpWqYhhcURsJ+Nh2j4hf65P0OPeZvLlfabVzWlcFf7uc+nd9fslSWbjCAgICAgICAgICAgICAgICAgICBy+Lr3xFU8m2f0gD9wYGXRqQMxHuIGHjhuMCF+lVCtWgwuPjFwfw/6yNqI323XPCMlqTbsztPL9XH4fSrrn2h6GQbYKz05OpxcUyV5ZI7X0ltMNpRH42PIzRbFaqzxazDl5RO0+E/zZsEYGa0iYmE2dHWC6nR9Hdvq7VUnntnsn9AT0l1padnFHzfOON5/wAXW38I935cp+u7pZIVJAQEBAQEBAQEBAQEBAQEBAQEBA4fEtatVPA1H/qMDMo1t0DMoVoDE3IgarB6Mo4nENSr0UqoaTNsugOyQygEE7we0d4mJiJ6vVL2pO9Z2aHWDoYoVLtg6zUW/lPepT8A3xr4ktNVsMT0WOLiV68rxuj7GdGWkqdXqxhesvlUp1KZpt37TEbP5rTTOKyfXX4Jjfd12rnRBiBY4rFrTX+VSBdiOW01gp8A0TpK2/MRx/Jh5Yvr0+X/AMTFhqC00RFFlRVVRyAFgPQSXEbRs5+1ptabT1lcmXkgICAgICAgICAgICAgICAgICB4TA5VcGXTatdjvt4wNdRqHrRTYFWJyYEX5kXz8oHW4LAqBfMwGkEULA1urFHaevVPMU18F3sfMkfpgdCDAQEBAQEBAQEBAQEBAQEBAQEBAQEBAQLWJNkf8LftA1Wi8hAuaQa9SmvK7eH2R+7ekDZUtywOd1jxgRGN4OvRDekMe9Ytd3KXJCF22R3hchfPzlHnyzkvM9z6fw3Q10mCldo7W3Odo33nnPPy6eijA42pQYNRqvTN73R2HqBuPnNdb2r+WUvNgx5o2yVifWEl6la+mqy0cWRtMQqVwAoYnJXA3Ak5EbjcCw42On1fans3cfxfgMYqzm03SOsfrH6xPPv3lIUnuVICAgICAgICAgICAgICAgICAgICBRWTaVhzBHqIGi0TVuq+AgXFqbVdzyIQeAG/3LQNjiKtlgRdr7pe96YO87vLifT95F1eXsY9u+V77P6KdRqovMe7TnPr3R8+fwcKJTvob2GFSNb+3McoYmN06aj6VOKwaMxu6Hq3Y5sVAIYnmVZCe8mXemydvHEz16PmvGNJGm1VqxG0Tzj493wneIb+b1WQEBAQEBAQEBAQEBAQEBAQEBAQEDlsF2HdPldl8gTs+1oFulWK1qoPByf1WYezCBs61TaWBD+ulMrizfIqCPU3lTrt/wASPR33svNf6O0R17U7/KNmjkN0T2B6IYSt0QseoxHIVE9dgX9tn0lnoPyT6uH9qIj8en/X9Z/276T3MEBAQEBAQEBAQEBAQEBAQEBAQEBA5zHLs4p/vBG9tn/LAwdK9mujZbaDzKmxPoy+kDYYY3WBHnSThbPSfh2l9d4/Yyv19eVbOu9lM3v5cXjET8uU/eHGStdk9gekwwnDo90QcLgUDrs1KhNV1Oa7VgoPIhFS44G8utNj7GOInq+bca1canV2tWd6xyj4dfnO7pZIVJAQEBAQEBAQEBAQEBAQEBAQEBAwqFU1CTtWW5sBYbvHOBRi8OC21e7AW37wQLm3uYGBpNaddFS1mDDZPynu7rXgZWF0KqD429d0DmddtH9fQqUxbbG9HJ3XG8Bu45XHPKa8uOMlJqm8P1ltHqK5o57dfOJ6oWTHqCVbsspIKtusRuIvlKa2C9Z6Po2HiWmy1ie1t6trgsDWr26mhUqXtvSk7Df3gWA75iMOSekS95Nfpccb3y1+cfZIupnR4yOtbGgXUhkw4a9iN4NQjcbfKCRz5Sfp9H2Z7V3KcV9oYy1nDpt4ies98x5eH3SVJ7lCAgICAgICAgICAgICAgICAgICAgaMaIrI7FK67BYkI1M3UE3ttBt/pAuVdG1jlWQf9pj/AJoGrxWhMRT+sFUVSpB6paeyTwJBLHK+UCv/ABHF22Rg6h79qmB6loGvxOjMdXP8FKYPz1lP9F4HW6NwC0aaKFXaVVBcKAWIFifOGd5ZkMEBAQEBAQEBAQEBAQEBAQEBAQEBAQEBAQEBAQEBAQEBAQEBAQEBAQEBAQEBAQEBAQEBAQEBAQEBAQEBAQEBAQEBAQEBAQEBA//Z"/>
-          <p:cNvSpPr>
-            <a:spLocks noChangeAspect="1" noChangeArrowheads="1"/>
-          </p:cNvSpPr>
-          <p:nvPr/>
-        </p:nvSpPr>
-        <p:spPr bwMode="auto">
-          <a:xfrm>
-            <a:off x="155575" y="-144463"/>
-            <a:ext cx="304800" cy="304801"/>
-          </a:xfrm>
-          <a:prstGeom prst="rect">
-            <a:avLst/>
-          </a:prstGeom>
-          <a:noFill/>
-          <a:extLst>
-            <a:ext uri="{909E8E84-426E-40DD-AFC4-6F175D3DCCD1}">
-              <a14:hiddenFill xmlns:a14="http://schemas.microsoft.com/office/drawing/2010/main">
-                <a:solidFill>
-                  <a:srgbClr val="FFFFFF"/>
-                </a:solidFill>
-              </a14:hiddenFill>
-            </a:ext>
-          </a:extLst>
-        </p:spPr>
-        <p:txBody>
-          <a:bodyPr vert="horz" wrap="square" lIns="91440" tIns="45720" rIns="91440" bIns="45720" numCol="1" anchor="t" anchorCtr="0" compatLnSpc="1">
-            <a:prstTxWarp prst="textNoShape">
-              <a:avLst/>
-            </a:prstTxWarp>
-          </a:bodyPr>
-          <a:lstStyle/>
-          <a:p>
-            <a:endParaRPr lang="pt-BR"/>
-          </a:p>
-        </p:txBody>
-      </p:sp>
-      <p:sp>
-        <p:nvSpPr>
-          <p:cNvPr id="5" name="AutoShape 6" descr="data:image/jpeg;base64,/9j/4AAQSkZJRgABAQAAAQABAAD/2wCEAAkGBxQQEBEUEhAWFhUUFBMUFhAVDxAXFQ8XGBYWFhYVFxUYHCggHRolHRQTJjEhJikrLi4vFx8zODUtNygtLisBCgoKDg0OGhAQGywmICQsLCwwNC8sLzU0LSw0LCwsLCwsLCwsLCwsNSwsLywsLC4yNCwsLDUsLCwsLCwtLCwsNP/AABEIAOEA4QMBEQACEQEDEQH/xAAcAAEAAQUBAQAAAAAAAAAAAAAABwIDBAUGAQj/xABBEAACAQICBggCCAQEBwAAAAABAgADEQQxBQYSIUFRBxMiYXGBkaEyUhQjQmJygpKxM1Oy0RXC4fAkQ3ODosHD/8QAGwEBAAIDAQEAAAAAAAAAAAAAAAQFAQMGAgf/xAA1EQEAAgECAwUGBQQDAQEAAAAAAQIDBBEFITESQVFhcQYigZGhsRMywdHwFEJS4TNywvEj/9oADAMBAAIRAxEAPwCcYCAgICAgICAgICAgICAgUVKqr8TAeJAmN3qKzbpClcQhNg6k8gwjeGZx3jnMSuzLwQEBAQEBAQEBAQEBAQEBAQEBAQEBAQEC3iK600Z3YKqi5ZiAFHMkzEzERvL3SlslorSN5nuhHmn+lBVuuDp7Z/nVAQv5U3MfO3gZAy66I5Uh1Wh9l7W97U228o6/GekfDf1hw2ktbMZiD9Zintv7KHq18LJa/neQ76jJbrLpdPwnR4PyY49Z5z9d/o0zm5JJuTmSbk+c0rCIiI2hTaGWZg9KVqNuqr1EtwWq4HoDa09VyWr0mWjLpcGX/kpWfWIdLozpHxlI9tlrLydAGt3Mlve8k01mSvXmp9R7N6LLHuRNZ8p/Sd/ps7TQvSVha1lrBqDHi3ap3/GMvMASXj1tLcp5Od1fs1qsPPHtePLlPy/aZdlQrLUUMjBlYXDKwKsOYI3GS4mJjeHP3palpraNpjxXJl5ICAgICAgICAgICAgICAgICAgYel9J08LSarVayr5liclUcSZ4veKV7VkjS6bJqckY8cbzP085QjrXrRVx9S7ErTB7FEHsryJ+Zu/076fPntlnyfRuGcLxaKnLnaes/wA6R5fNoJoWhA8gICB7AQNloTTtfBttUKpXfcpmj/iQ7vPPkZsx5b453rKJq9Dp9XXs5q7+ffHpP8jySpqp0gUsWRTrAUaxsBdvq6p+6xyP3T3WJlnh1db8rcpcTxL2fzabfJi96n1j1j9Y+MQ7OS3PEBAQEBAQEBAQEBAQEBAQECirVCKzMQFUFixNgoAuSTymJnbnL1Ws2mK1jeZQnr1rM2NrWW4pL/DXuP2yPmYei2HFpTanP+Jbl0fReDcMrpMW8/mnr+0eUfWd/CHLSOunkMkBAQED2AgIYLQO+1H18ahs0cUxalklY3LUe5uJT3HeMp2n1c192/Ry/GOA1zb5tPG1u+O6fTwn6T69ZZRgQCCCCLgg3BByIMtHDzExO0vYYICAgICAgICAgICAgICBGnSFrL1tR8LTP1dFS+Ia/wDEYEBaNxw22QHvPCxvW6zPv7lfi7DgfDPw6Rqcn5rTtTyjvt8t5j/cI1qOWJJNySSTzJzle7CIiI2hRDJDJaBi4rHpT3Zn5Rw8TNlMVrIWfXY8XLrLAbTDcEHmTN0aePFXzxa/dWHqaZPFB5GYnT+EvVeLz/dX5Sy6Ok0bM2Pf/ea7YbQm4uIYMnLfafP+bM1TfKak17A9hgtAkHo21tNJ1wtdvq2NqTk/wmOSH7p4cjuyO6fpNRtPYt07nK8f4TGSs6nFHvR+aPGPH1jv8Y9OcqyzcSQEBAQEBAQEBAQEBAQNFrtp36Bg6lUW2/gp3y22yPkATb7s058nYpvHXuWPC9HGq1EUt+WOdvSP36fF83VNOVLvYkq5Ba5N6hFzcnjvJMrYwbxznm7O/EtskdisdmOUenl4MrDaSV89x5GabYrVWODXYcvLfafCWZea00gXsPorFYrsYSg9RuLgALTHe7WUMe85SRgwzfnspuKcSx6aOx2tpln0+h/SLC56lT8prG4/SpHvLD8GzlbcTxb97X6R6MtJUbn6L1gAvtUqlN/ILfaPpPM4rQ901+C3fs5TFYV6TFKlNkYZo6MrDxB3zxMTHVLrato3rO6zMMr2HxLIeyfLhPFqVt1SMGqyYZ92eXh3N3gdICpuO5uUiZMU1X+l1lM8bdLeH7M6a0t7DBaBNXR5rAcZhtmo161GyuTm6/YfzAse9Tzlzpc34lOfWHzvjnD40uftUj3Lc48p74/bymHVSSpCAgICAgICAgICAgIHD9KmqVfSdGiMPUUGkzsaTkgVrgW7XAixtfd2jvE1Zcfb28k/Q6z+n7UTHK230/n0QHpjQuIwb7GJoPSbhtLua2ZVh2WHeCZGtWa9V3izUyRvSd2vnlsZOHxrpkbjkZrtirZMwa7Nh5RO8eEtvgMd1rKgUl2IVUAJLk7gFtmZHnBbflzW1OKYJrM3ns7eP7vpDVrRIweFpURmq3c/PUO929SbchYcJc46RSsVh841mptqc1stu+fp3R8m0ntGIGFpTRNHFJsYiilVeToDs94OYPeJiYier3S9qTvWdkW63dDikNU0e5Bz+i1GuG7kqHePBr55iabYf8Vng4lMcsnzRDjcI9Co1OqjI6GzIwIKnvHpI8xtylbUvF47VeiypsbjOYnm2VtNZ3jq6HRmL6xbHMSDkp2ZdNpNR+Pj3nrHX92fNaQ9EDeam6X+h4ylUJsjHq6nLYa289wIVvyzdp8n4eSJ7lZxbSf1WltSOsc49Y/eN4+KdpePmhAQEBAQEBAQEBAQEBAsY3B066FKtNaiHNHRWU+RhmJmJ3hG+s3Q5h613wdQ0Hz6prvSPh9pd/G5HdNNsMT0WGHiN68r84+qLtMaiY/C1Aj4V22m2VekpqI5O4WZcvBrGaJx2haY9ZhvG+/zTJ0bdHyaOQVqwD4phnmuHBzRPvc28huveRjx9nn3qjV6yc09mv5fu7ybUEgICAgcj0hakU9J0SQAuJQfVVrfFa56tzxQ3P4SbjiDrvSLQl6XVWw28u985V8I1N3SopV0YqynNWBsQfMSFaduTqMVYvEWjpLIwR2GB9Zoye9Cz0m+O8T8HREW9j5EAj2IkVbxO4IFVrwxunfVDSH0jA4eoTdtjZY82QlGPmVJ85e4L9vHEvmXFNP+Bq8mOOm+8ek84+ktxNqAQEBAQEBAQEBAQEDxmAFzAtq5OQsOZ/tAq2Tz9hAoaoVzFx3ZwK6VUMNx/wBIFcBAQEBAQIZ6a9Xwleli0WwrfV1PxqOy3iVuPySFqq7bWdPwHN24tinu5x6d/wDPNHCU5BmzqqYnRVx2MOeLUQT32q1UHsizTLfjn3rx4W/81n7zK0JhsViHlLHRRXLYOop+xXYDwZUb92aW2hnfHt5uG9paRXVVt41j7zH2iHayY54gICAgICAgICAgeMbC54ceUDXpW6xr8OA/9+MDOpndArgUVTuganE1SjbS5jh8w5GBtcPWFRQy5EenMeMC5AQEBAQOL6XKQbRrXzWrTZe43K/szSLq/wDjXns7v/WxEd8ShFUlRMvotabN1j2uyr/Lp06e7mqjb/8AMvEzui4Y2rM+MzPznl9NlkCYbJVgQ8ylDokH/D4jl1w9erS/7iWmg/JPq4v2nn/98f8A1/WXdyc5ogICAgICAgICAga/TlfYpW+Zgv7k+wMDDw1bdAzqVeBeNeBYq14GrxtbdAuaq4ra65PlZWH5gQR6r7wN/AQEBAQI36ZdKAUqOHB7TN1rDkqgqt/Ek/okDXX5RX4uu9lNLM5L556RHZj1nnPyj7ouw6bweWUrHaXnlsygIaVQEPMrgEPMpb6L8NsYDa/m1aj+lqf/AM5b6Ku2LfxcH7Q5O3rOz/jER+v6uuktRkBAQEBAQEBAQEDRa3NalTblVF/NWH9vWBqsPi90DMp4uBd+l98CzVxcDV43GbjvgZWoZLVMQ3C1MefaP+/GB2MBAQEDk9Z9eqGEDJTIrVshTU3VDzdxuFuQ3+Gci5tVTHyjnK84dwLPqpi147NPGes+kfr0+yH9IYp8TVetWbadzcngOQA5ASpvebz2pd9gxY9PijFijaIWwJ5elYEMSqAh5ldp0yxCqLsxCqvFmJsoHiSJmImZ2hrvetKza07RHOfRPWiMCMPh6NIG/Voq3+Ygb28zc+cv6V7NYrHc+YajNObLbLP90zLMnppICAgICAgICAgIGFpnA9fQqU72LDsnkw3qfC4ECNcPjipKsCrKSGU5qRuIMDNTSHfAuf4iOcDGr6UEDV4jGFuMCSNUNHGhhl2vjqHrGHy3AAXyAHneBugYHsDR6x61YfAj6x9qpa4oJYueRI+yO8+V5py56Y+vVZaDhWo1k+5G1fGen+/gizWLXXE4y67XVUj/AMqmxuw5O+beG4d0rMuqvk5dIdroeCabS7W27VvGf0jpH1nzc4okZbzKoCGFQEPKoCGFYEPLuOjPQJq1fpLj6ukSKdx/EqZFhzCgn8x5qZP0WHefxJ+Dl/aDXxWn9NSec87eUd0fHr6eqUZZuPICAgICAgICAgICAgcnrfqp9JvVoWFb7S3sKwG4b+Dd/keYCOcQtSkxRwysM1YEEQKOuPOBUKkDtNTNWes2cRWsUzSnntkH4m7gRl68iHeu1heBpMTpWnQrgM4CqlR6jsxsgJv/AFEATFrRWN5bMWK+W8UpG8z3Q4fWXpIertJgwaabwcQwG2/4FPwjvO/eMjK3NrZnlT5uy4f7N0x7X1XO3+MdI9Z7/t6w4J3LEkkkkkliSSxOZJOZkCZ36uoiIrERHSAQPRDCoCGFYEPKoCHmXQ6par1Me4belBT263F7HelPmeBbId53SXp9NOT3p6fdScU4vTSxNKc7/bzn9vmmPCYZKSLTpqFRAFVRkoEtoiIjaHCXva9ptad5lemXkgICAgICAgICB4WA4wPYCAgYekMPSqjZq01qW4MinZ9coGifVDCu1+qKj5VqVLH3/aBtcFq9hqPwYdL8yNo+rXgZjqtJGYHZVQWItuHE7oHL6b1iCbLbQPJQeP8Au8CMtP4w4qsQW3C71G4IMvXfYDiWAlXrcu89iO523s3pJwYp1No535V9P99fSN2pdr5CwG4L8o/v3yC6iI2BAqEMKhDCoQwqQEsqqCzMbKiqWZzyVRvJma1m07RDVly0xV7V5iI83f6sdHbNapjeyuYwqtvb/quP6VPicxLLDo4jndyPEfaCbb003KPHv+Hh69fRJNGkqKFVQqqAFVQAFA3AADISe5iZmZ3lXDBAQEBAQEBAQEBA0emqZrIhRipzWoDusc0ccjzzHsQ2mHLbIuRe3Mke++B6cSAbHdx8ucCrFVtim757KlvGwvA1SYkkhe4G/O/H94GxowMkQNVp3FbCNcAgq6lTkeydxHfAiUULPYm9oZidp3aTEUzSprTPxuesqb94G8U1Pld+/bTlOftExO09X1XDeua34lfyxG1f1n/z8J8WKJ5SVQhhUIYelgBcmw5mHmZ2dTq5qPicXZnHUUj9t1PWVB9ymch95rZggGTcOjtbnbk53X+0GLDvTD71vHuj9/5zSdq/q1h8CtqNPtEWas/aq1PFuXcLDuljjx1pG1YchqtZm1Nu1ltv9o9IbibEUgICAgICAgICAgICBrcThaibRo7JBuTRe4FzmVbh4EccxA1dPS9amSGwVYHkqba/qW494Gt0lj8RRrpXr0SlLZIFiGCknJ9nI5d2/nAycPppKqEK1gQVtfgRbKBb0MzB9ljfZUAN8wu1j7wOnoGBkM9hA53Wg3oVPuja9M/a8CPDXBMDntKkmvUub/Dny2VsPTd5Sk1MbZbPpnBbxbQYpjw2+UzDFE0LNUIeVymhYqqglmIVVAuWYmyqBzJIEzETM7Q8ZL1pWb2naI5ylvU/UWnhgtXEAVK+4gHemHPJBkW++fK3G4waauON56vn3E+MZdXaaV5U8PH1/Z2ckqYgICAgICAgICAgICAgICAgU1EDAhgCCCCpAIIOYIPCBxmldRd5fC1Ng59U5Oz5MN4HcQYHuh8DVw7Fa7KW3EbLEgDhckDfuPtA6ShUgX3bdA1OkVuCDvBBBHOBF2mqa4dqlmyW6BiLsxdBa3EBS5/KOcianUTi5QveD8Kpred5nlbadvDaZ6+u0OcZyxJJuTmecqbWm07y77FipipGOkbRHKATD2qEMO96KNECpWqYhhcURsJ+Nh2j4hf65P0OPeZvLlfabVzWlcFf7uc+nd9fslSWbjCAgICAgICAgICAgICAgICAgICBy+Lr3xFU8m2f0gD9wYGXRqQMxHuIGHjhuMCF+lVCtWgwuPjFwfw/6yNqI323XPCMlqTbsztPL9XH4fSrrn2h6GQbYKz05OpxcUyV5ZI7X0ltMNpRH42PIzRbFaqzxazDl5RO0+E/zZsEYGa0iYmE2dHWC6nR9Hdvq7VUnntnsn9AT0l1padnFHzfOON5/wAXW38I935cp+u7pZIVJAQEBAQEBAQEBAQEBAQEBAQEBA4fEtatVPA1H/qMDMo1t0DMoVoDE3IgarB6Mo4nENSr0UqoaTNsugOyQygEE7we0d4mJiJ6vVL2pO9Z2aHWDoYoVLtg6zUW/lPepT8A3xr4ktNVsMT0WOLiV68rxuj7GdGWkqdXqxhesvlUp1KZpt37TEbP5rTTOKyfXX4Jjfd12rnRBiBY4rFrTX+VSBdiOW01gp8A0TpK2/MRx/Jh5Yvr0+X/AMTFhqC00RFFlRVVRyAFgPQSXEbRs5+1ptabT1lcmXkgICAgICAgICAgICAgICAgICB4TA5VcGXTatdjvt4wNdRqHrRTYFWJyYEX5kXz8oHW4LAqBfMwGkEULA1urFHaevVPMU18F3sfMkfpgdCDAQEBAQEBAQEBAQEBAQEBAQEBAQEBAQLWJNkf8LftA1Wi8hAuaQa9SmvK7eH2R+7ekDZUtywOd1jxgRGN4OvRDekMe9Ytd3KXJCF22R3hchfPzlHnyzkvM9z6fw3Q10mCldo7W3Odo33nnPPy6eijA42pQYNRqvTN73R2HqBuPnNdb2r+WUvNgx5o2yVifWEl6la+mqy0cWRtMQqVwAoYnJXA3Ak5EbjcCw42On1fans3cfxfgMYqzm03SOsfrH6xPPv3lIUnuVICAgICAgICAgICAgICAgICAgICBRWTaVhzBHqIGi0TVuq+AgXFqbVdzyIQeAG/3LQNjiKtlgRdr7pe96YO87vLifT95F1eXsY9u+V77P6KdRqovMe7TnPr3R8+fwcKJTvob2GFSNb+3McoYmN06aj6VOKwaMxu6Hq3Y5sVAIYnmVZCe8mXemydvHEz16PmvGNJGm1VqxG0Tzj493wneIb+b1WQEBAQEBAQEBAQEBAQEBAQEBAQEDlsF2HdPldl8gTs+1oFulWK1qoPByf1WYezCBs61TaWBD+ulMrizfIqCPU3lTrt/wASPR33svNf6O0R17U7/KNmjkN0T2B6IYSt0QseoxHIVE9dgX9tn0lnoPyT6uH9qIj8en/X9Z/276T3MEBAQEBAQEBAQEBAQEBAQEBAQEBA5zHLs4p/vBG9tn/LAwdK9mujZbaDzKmxPoy+kDYYY3WBHnSThbPSfh2l9d4/Yyv19eVbOu9lM3v5cXjET8uU/eHGStdk9gekwwnDo90QcLgUDrs1KhNV1Oa7VgoPIhFS44G8utNj7GOInq+bca1canV2tWd6xyj4dfnO7pZIVJAQEBAQEBAQEBAQEBAQEBAQEBAwqFU1CTtWW5sBYbvHOBRi8OC21e7AW37wQLm3uYGBpNaddFS1mDDZPynu7rXgZWF0KqD429d0DmddtH9fQqUxbbG9HJ3XG8Bu45XHPKa8uOMlJqm8P1ltHqK5o57dfOJ6oWTHqCVbsspIKtusRuIvlKa2C9Z6Po2HiWmy1ie1t6trgsDWr26mhUqXtvSk7Df3gWA75iMOSekS95Nfpccb3y1+cfZIupnR4yOtbGgXUhkw4a9iN4NQjcbfKCRz5Sfp9H2Z7V3KcV9oYy1nDpt4ies98x5eH3SVJ7lCAgICAgICAgICAgICAgICAgICAgaMaIrI7FK67BYkI1M3UE3ttBt/pAuVdG1jlWQf9pj/AJoGrxWhMRT+sFUVSpB6paeyTwJBLHK+UCv/ABHF22Rg6h79qmB6loGvxOjMdXP8FKYPz1lP9F4HW6NwC0aaKFXaVVBcKAWIFifOGd5ZkMEBAQEBAQEBAQEBAQEBAQEBAQEBAQEBAQEBAQEBAQEBAQEBAQEBAQEBAQEBAQEBAQEBAQEBAQEBAQEBAQEBAQEBAQEBAQEBA//Z"/>
-          <p:cNvSpPr>
-            <a:spLocks noChangeAspect="1" noChangeArrowheads="1"/>
-          </p:cNvSpPr>
-          <p:nvPr/>
-        </p:nvSpPr>
-        <p:spPr bwMode="auto">
-          <a:xfrm>
-            <a:off x="307975" y="7937"/>
-            <a:ext cx="304800" cy="304801"/>
-          </a:xfrm>
-          <a:prstGeom prst="rect">
-            <a:avLst/>
-          </a:prstGeom>
-          <a:noFill/>
-          <a:extLst>
-            <a:ext uri="{909E8E84-426E-40DD-AFC4-6F175D3DCCD1}">
-              <a14:hiddenFill xmlns:a14="http://schemas.microsoft.com/office/drawing/2010/main">
-                <a:solidFill>
-                  <a:srgbClr val="FFFFFF"/>
-                </a:solidFill>
-              </a14:hiddenFill>
-            </a:ext>
-          </a:extLst>
-        </p:spPr>
-        <p:txBody>
-          <a:bodyPr vert="horz" wrap="square" lIns="91440" tIns="45720" rIns="91440" bIns="45720" numCol="1" anchor="t" anchorCtr="0" compatLnSpc="1">
-            <a:prstTxWarp prst="textNoShape">
-              <a:avLst/>
-            </a:prstTxWarp>
-          </a:bodyPr>
-          <a:lstStyle/>
-          <a:p>
-            <a:endParaRPr lang="pt-BR"/>
-          </a:p>
-        </p:txBody>
-      </p:sp>
-      <p:sp>
-        <p:nvSpPr>
-          <p:cNvPr id="6" name="AutoShape 8" descr="data:image/jpeg;base64,/9j/4AAQSkZJRgABAQAAAQABAAD/2wCEAAkGBxQQEBEUEhAWFhUUFBMUFhAVDxAXFQ8XGBYWFhYVFxUYHCggHRolHRQTJjEhJikrLi4vFx8zODUtNygtLisBCgoKDg0OGhAQGywmICQsLCwwNC8sLzU0LSw0LCwsLCwsLCwsLCwsNSwsLywsLC4yNCwsLDUsLCwsLCwtLCwsNP/AABEIAOEA4QMBEQACEQEDEQH/xAAcAAEAAQUBAQAAAAAAAAAAAAAABwIDBAUGAQj/xABBEAACAQICBggCCAQEBwAAAAABAgADEQQxBQYSIUFRBxMiYXGBkaEyUhQjQmJygpKxM1Oy0RXC4fAkQ3ODosHD/8QAGwEBAAIDAQEAAAAAAAAAAAAAAAQFAQMGAgf/xAA1EQEAAgECAwUGBQQDAQEAAAAAAQIDBBEFITESQVFhcQYigZGhsRMywdHwFEJS4TNywvEj/9oADAMBAAIRAxEAPwCcYCAgICAgICAgICAgICAgUVKqr8TAeJAmN3qKzbpClcQhNg6k8gwjeGZx3jnMSuzLwQEBAQEBAQEBAQEBAQEBAQEBAQEBAQEC3iK600Z3YKqi5ZiAFHMkzEzERvL3SlslorSN5nuhHmn+lBVuuDp7Z/nVAQv5U3MfO3gZAy66I5Uh1Wh9l7W97U228o6/GekfDf1hw2ktbMZiD9Zintv7KHq18LJa/neQ76jJbrLpdPwnR4PyY49Z5z9d/o0zm5JJuTmSbk+c0rCIiI2hTaGWZg9KVqNuqr1EtwWq4HoDa09VyWr0mWjLpcGX/kpWfWIdLozpHxlI9tlrLydAGt3Mlve8k01mSvXmp9R7N6LLHuRNZ8p/Sd/ps7TQvSVha1lrBqDHi3ap3/GMvMASXj1tLcp5Od1fs1qsPPHtePLlPy/aZdlQrLUUMjBlYXDKwKsOYI3GS4mJjeHP3palpraNpjxXJl5ICAgICAgICAgICAgICAgICAgYel9J08LSarVayr5liclUcSZ4veKV7VkjS6bJqckY8cbzP085QjrXrRVx9S7ErTB7FEHsryJ+Zu/076fPntlnyfRuGcLxaKnLnaes/wA6R5fNoJoWhA8gICB7AQNloTTtfBttUKpXfcpmj/iQ7vPPkZsx5b453rKJq9Dp9XXs5q7+ffHpP8jySpqp0gUsWRTrAUaxsBdvq6p+6xyP3T3WJlnh1db8rcpcTxL2fzabfJi96n1j1j9Y+MQ7OS3PEBAQEBAQEBAQEBAQEBAQECirVCKzMQFUFixNgoAuSTymJnbnL1Ws2mK1jeZQnr1rM2NrWW4pL/DXuP2yPmYei2HFpTanP+Jbl0fReDcMrpMW8/mnr+0eUfWd/CHLSOunkMkBAQED2AgIYLQO+1H18ahs0cUxalklY3LUe5uJT3HeMp2n1c192/Ry/GOA1zb5tPG1u+O6fTwn6T69ZZRgQCCCCLgg3BByIMtHDzExO0vYYICAgICAgICAgICAgICBGnSFrL1tR8LTP1dFS+Ia/wDEYEBaNxw22QHvPCxvW6zPv7lfi7DgfDPw6Rqcn5rTtTyjvt8t5j/cI1qOWJJNySSTzJzle7CIiI2hRDJDJaBi4rHpT3Zn5Rw8TNlMVrIWfXY8XLrLAbTDcEHmTN0aePFXzxa/dWHqaZPFB5GYnT+EvVeLz/dX5Sy6Ok0bM2Pf/ea7YbQm4uIYMnLfafP+bM1TfKak17A9hgtAkHo21tNJ1wtdvq2NqTk/wmOSH7p4cjuyO6fpNRtPYt07nK8f4TGSs6nFHvR+aPGPH1jv8Y9OcqyzcSQEBAQEBAQEBAQEBAQNFrtp36Bg6lUW2/gp3y22yPkATb7s058nYpvHXuWPC9HGq1EUt+WOdvSP36fF83VNOVLvYkq5Ba5N6hFzcnjvJMrYwbxznm7O/EtskdisdmOUenl4MrDaSV89x5GabYrVWODXYcvLfafCWZea00gXsPorFYrsYSg9RuLgALTHe7WUMe85SRgwzfnspuKcSx6aOx2tpln0+h/SLC56lT8prG4/SpHvLD8GzlbcTxb97X6R6MtJUbn6L1gAvtUqlN/ILfaPpPM4rQ901+C3fs5TFYV6TFKlNkYZo6MrDxB3zxMTHVLrato3rO6zMMr2HxLIeyfLhPFqVt1SMGqyYZ92eXh3N3gdICpuO5uUiZMU1X+l1lM8bdLeH7M6a0t7DBaBNXR5rAcZhtmo161GyuTm6/YfzAse9Tzlzpc34lOfWHzvjnD40uftUj3Lc48p74/bymHVSSpCAgICAgICAgICAgIHD9KmqVfSdGiMPUUGkzsaTkgVrgW7XAixtfd2jvE1Zcfb28k/Q6z+n7UTHK230/n0QHpjQuIwb7GJoPSbhtLua2ZVh2WHeCZGtWa9V3izUyRvSd2vnlsZOHxrpkbjkZrtirZMwa7Nh5RO8eEtvgMd1rKgUl2IVUAJLk7gFtmZHnBbflzW1OKYJrM3ns7eP7vpDVrRIweFpURmq3c/PUO929SbchYcJc46RSsVh841mptqc1stu+fp3R8m0ntGIGFpTRNHFJsYiilVeToDs94OYPeJiYier3S9qTvWdkW63dDikNU0e5Bz+i1GuG7kqHePBr55iabYf8Vng4lMcsnzRDjcI9Co1OqjI6GzIwIKnvHpI8xtylbUvF47VeiypsbjOYnm2VtNZ3jq6HRmL6xbHMSDkp2ZdNpNR+Pj3nrHX92fNaQ9EDeam6X+h4ylUJsjHq6nLYa289wIVvyzdp8n4eSJ7lZxbSf1WltSOsc49Y/eN4+KdpePmhAQEBAQEBAQEBAQEBAsY3B066FKtNaiHNHRWU+RhmJmJ3hG+s3Q5h613wdQ0Hz6prvSPh9pd/G5HdNNsMT0WGHiN68r84+qLtMaiY/C1Aj4V22m2VekpqI5O4WZcvBrGaJx2haY9ZhvG+/zTJ0bdHyaOQVqwD4phnmuHBzRPvc28huveRjx9nn3qjV6yc09mv5fu7ybUEgICAgcj0hakU9J0SQAuJQfVVrfFa56tzxQ3P4SbjiDrvSLQl6XVWw28u985V8I1N3SopV0YqynNWBsQfMSFaduTqMVYvEWjpLIwR2GB9Zoye9Cz0m+O8T8HREW9j5EAj2IkVbxO4IFVrwxunfVDSH0jA4eoTdtjZY82QlGPmVJ85e4L9vHEvmXFNP+Bq8mOOm+8ek84+ktxNqAQEBAQEBAQEBAQEDxmAFzAtq5OQsOZ/tAq2Tz9hAoaoVzFx3ZwK6VUMNx/wBIFcBAQEBAQIZ6a9Xwleli0WwrfV1PxqOy3iVuPySFqq7bWdPwHN24tinu5x6d/wDPNHCU5BmzqqYnRVx2MOeLUQT32q1UHsizTLfjn3rx4W/81n7zK0JhsViHlLHRRXLYOop+xXYDwZUb92aW2hnfHt5uG9paRXVVt41j7zH2iHayY54gICAgICAgICAgeMbC54ceUDXpW6xr8OA/9+MDOpndArgUVTuganE1SjbS5jh8w5GBtcPWFRQy5EenMeMC5AQEBAQOL6XKQbRrXzWrTZe43K/szSLq/wDjXns7v/WxEd8ShFUlRMvotabN1j2uyr/Lp06e7mqjb/8AMvEzui4Y2rM+MzPznl9NlkCYbJVgQ8ylDokH/D4jl1w9erS/7iWmg/JPq4v2nn/98f8A1/WXdyc5ogICAgICAgICAga/TlfYpW+Zgv7k+wMDDw1bdAzqVeBeNeBYq14GrxtbdAuaq4ra65PlZWH5gQR6r7wN/AQEBAQI36ZdKAUqOHB7TN1rDkqgqt/Ek/okDXX5RX4uu9lNLM5L556RHZj1nnPyj7ouw6bweWUrHaXnlsygIaVQEPMrgEPMpb6L8NsYDa/m1aj+lqf/AM5b6Ku2LfxcH7Q5O3rOz/jER+v6uuktRkBAQEBAQEBAQEDRa3NalTblVF/NWH9vWBqsPi90DMp4uBd+l98CzVxcDV43GbjvgZWoZLVMQ3C1MefaP+/GB2MBAQEDk9Z9eqGEDJTIrVshTU3VDzdxuFuQ3+Gci5tVTHyjnK84dwLPqpi147NPGes+kfr0+yH9IYp8TVetWbadzcngOQA5ASpvebz2pd9gxY9PijFijaIWwJ5elYEMSqAh5ldp0yxCqLsxCqvFmJsoHiSJmImZ2hrvetKza07RHOfRPWiMCMPh6NIG/Voq3+Ygb28zc+cv6V7NYrHc+YajNObLbLP90zLMnppICAgICAgICAgIGFpnA9fQqU72LDsnkw3qfC4ECNcPjipKsCrKSGU5qRuIMDNTSHfAuf4iOcDGr6UEDV4jGFuMCSNUNHGhhl2vjqHrGHy3AAXyAHneBugYHsDR6x61YfAj6x9qpa4oJYueRI+yO8+V5py56Y+vVZaDhWo1k+5G1fGen+/gizWLXXE4y67XVUj/AMqmxuw5O+beG4d0rMuqvk5dIdroeCabS7W27VvGf0jpH1nzc4okZbzKoCGFQEPKoCGFYEPLuOjPQJq1fpLj6ukSKdx/EqZFhzCgn8x5qZP0WHefxJ+Dl/aDXxWn9NSec87eUd0fHr6eqUZZuPICAgICAgICAgICAgcnrfqp9JvVoWFb7S3sKwG4b+Dd/keYCOcQtSkxRwysM1YEEQKOuPOBUKkDtNTNWes2cRWsUzSnntkH4m7gRl68iHeu1heBpMTpWnQrgM4CqlR6jsxsgJv/AFEATFrRWN5bMWK+W8UpG8z3Q4fWXpIertJgwaabwcQwG2/4FPwjvO/eMjK3NrZnlT5uy4f7N0x7X1XO3+MdI9Z7/t6w4J3LEkkkkkliSSxOZJOZkCZ36uoiIrERHSAQPRDCoCGFYEPKoCHmXQ6par1Me4belBT263F7HelPmeBbId53SXp9NOT3p6fdScU4vTSxNKc7/bzn9vmmPCYZKSLTpqFRAFVRkoEtoiIjaHCXva9ptad5lemXkgICAgICAgICB4WA4wPYCAgYekMPSqjZq01qW4MinZ9coGifVDCu1+qKj5VqVLH3/aBtcFq9hqPwYdL8yNo+rXgZjqtJGYHZVQWItuHE7oHL6b1iCbLbQPJQeP8Au8CMtP4w4qsQW3C71G4IMvXfYDiWAlXrcu89iO523s3pJwYp1No535V9P99fSN2pdr5CwG4L8o/v3yC6iI2BAqEMKhDCoQwqQEsqqCzMbKiqWZzyVRvJma1m07RDVly0xV7V5iI83f6sdHbNapjeyuYwqtvb/quP6VPicxLLDo4jndyPEfaCbb003KPHv+Hh69fRJNGkqKFVQqqAFVQAFA3AADISe5iZmZ3lXDBAQEBAQEBAQEBA0emqZrIhRipzWoDusc0ccjzzHsQ2mHLbIuRe3Mke++B6cSAbHdx8ucCrFVtim757KlvGwvA1SYkkhe4G/O/H94GxowMkQNVp3FbCNcAgq6lTkeydxHfAiUULPYm9oZidp3aTEUzSprTPxuesqb94G8U1Pld+/bTlOftExO09X1XDeua34lfyxG1f1n/z8J8WKJ5SVQhhUIYelgBcmw5mHmZ2dTq5qPicXZnHUUj9t1PWVB9ymch95rZggGTcOjtbnbk53X+0GLDvTD71vHuj9/5zSdq/q1h8CtqNPtEWas/aq1PFuXcLDuljjx1pG1YchqtZm1Nu1ltv9o9IbibEUgICAgICAgICAgICBrcThaibRo7JBuTRe4FzmVbh4EccxA1dPS9amSGwVYHkqba/qW494Gt0lj8RRrpXr0SlLZIFiGCknJ9nI5d2/nAycPppKqEK1gQVtfgRbKBb0MzB9ljfZUAN8wu1j7wOnoGBkM9hA53Wg3oVPuja9M/a8CPDXBMDntKkmvUub/Dny2VsPTd5Sk1MbZbPpnBbxbQYpjw2+UzDFE0LNUIeVymhYqqglmIVVAuWYmyqBzJIEzETM7Q8ZL1pWb2naI5ylvU/UWnhgtXEAVK+4gHemHPJBkW++fK3G4waauON56vn3E+MZdXaaV5U8PH1/Z2ckqYgICAgICAgICAgICAgICAgU1EDAhgCCCCpAIIOYIPCBxmldRd5fC1Ng59U5Oz5MN4HcQYHuh8DVw7Fa7KW3EbLEgDhckDfuPtA6ShUgX3bdA1OkVuCDvBBBHOBF2mqa4dqlmyW6BiLsxdBa3EBS5/KOcianUTi5QveD8Kpred5nlbadvDaZ6+u0OcZyxJJuTmecqbWm07y77FipipGOkbRHKATD2qEMO96KNECpWqYhhcURsJ+Nh2j4hf65P0OPeZvLlfabVzWlcFf7uc+nd9fslSWbjCAgICAgICAgICAgICAgICAgICBy+Lr3xFU8m2f0gD9wYGXRqQMxHuIGHjhuMCF+lVCtWgwuPjFwfw/6yNqI323XPCMlqTbsztPL9XH4fSrrn2h6GQbYKz05OpxcUyV5ZI7X0ltMNpRH42PIzRbFaqzxazDl5RO0+E/zZsEYGa0iYmE2dHWC6nR9Hdvq7VUnntnsn9AT0l1padnFHzfOON5/wAXW38I935cp+u7pZIVJAQEBAQEBAQEBAQEBAQEBAQEBA4fEtatVPA1H/qMDMo1t0DMoVoDE3IgarB6Mo4nENSr0UqoaTNsugOyQygEE7we0d4mJiJ6vVL2pO9Z2aHWDoYoVLtg6zUW/lPepT8A3xr4ktNVsMT0WOLiV68rxuj7GdGWkqdXqxhesvlUp1KZpt37TEbP5rTTOKyfXX4Jjfd12rnRBiBY4rFrTX+VSBdiOW01gp8A0TpK2/MRx/Jh5Yvr0+X/AMTFhqC00RFFlRVVRyAFgPQSXEbRs5+1ptabT1lcmXkgICAgICAgICAgICAgICAgICB4TA5VcGXTatdjvt4wNdRqHrRTYFWJyYEX5kXz8oHW4LAqBfMwGkEULA1urFHaevVPMU18F3sfMkfpgdCDAQEBAQEBAQEBAQEBAQEBAQEBAQEBAQLWJNkf8LftA1Wi8hAuaQa9SmvK7eH2R+7ekDZUtywOd1jxgRGN4OvRDekMe9Ytd3KXJCF22R3hchfPzlHnyzkvM9z6fw3Q10mCldo7W3Odo33nnPPy6eijA42pQYNRqvTN73R2HqBuPnNdb2r+WUvNgx5o2yVifWEl6la+mqy0cWRtMQqVwAoYnJXA3Ak5EbjcCw42On1fans3cfxfgMYqzm03SOsfrH6xPPv3lIUnuVICAgICAgICAgICAgICAgICAgICBRWTaVhzBHqIGi0TVuq+AgXFqbVdzyIQeAG/3LQNjiKtlgRdr7pe96YO87vLifT95F1eXsY9u+V77P6KdRqovMe7TnPr3R8+fwcKJTvob2GFSNb+3McoYmN06aj6VOKwaMxu6Hq3Y5sVAIYnmVZCe8mXemydvHEz16PmvGNJGm1VqxG0Tzj493wneIb+b1WQEBAQEBAQEBAQEBAQEBAQEBAQEDlsF2HdPldl8gTs+1oFulWK1qoPByf1WYezCBs61TaWBD+ulMrizfIqCPU3lTrt/wASPR33svNf6O0R17U7/KNmjkN0T2B6IYSt0QseoxHIVE9dgX9tn0lnoPyT6uH9qIj8en/X9Z/276T3MEBAQEBAQEBAQEBAQEBAQEBAQEBA5zHLs4p/vBG9tn/LAwdK9mujZbaDzKmxPoy+kDYYY3WBHnSThbPSfh2l9d4/Yyv19eVbOu9lM3v5cXjET8uU/eHGStdk9gekwwnDo90QcLgUDrs1KhNV1Oa7VgoPIhFS44G8utNj7GOInq+bca1canV2tWd6xyj4dfnO7pZIVJAQEBAQEBAQEBAQEBAQEBAQEBAwqFU1CTtWW5sBYbvHOBRi8OC21e7AW37wQLm3uYGBpNaddFS1mDDZPynu7rXgZWF0KqD429d0DmddtH9fQqUxbbG9HJ3XG8Bu45XHPKa8uOMlJqm8P1ltHqK5o57dfOJ6oWTHqCVbsspIKtusRuIvlKa2C9Z6Po2HiWmy1ie1t6trgsDWr26mhUqXtvSk7Df3gWA75iMOSekS95Nfpccb3y1+cfZIupnR4yOtbGgXUhkw4a9iN4NQjcbfKCRz5Sfp9H2Z7V3KcV9oYy1nDpt4ies98x5eH3SVJ7lCAgICAgICAgICAgICAgICAgICAgaMaIrI7FK67BYkI1M3UE3ttBt/pAuVdG1jlWQf9pj/AJoGrxWhMRT+sFUVSpB6paeyTwJBLHK+UCv/ABHF22Rg6h79qmB6loGvxOjMdXP8FKYPz1lP9F4HW6NwC0aaKFXaVVBcKAWIFifOGd5ZkMEBAQEBAQEBAQEBAQEBAQEBAQEBAQEBAQEBAQEBAQEBAQEBAQEBAQEBAQEBAQEBAQEBAQEBAQEBAQEBAQEBAQEBAQEBAQEBA//Z"/>
-          <p:cNvSpPr>
-            <a:spLocks noChangeAspect="1" noChangeArrowheads="1"/>
-          </p:cNvSpPr>
-          <p:nvPr/>
-        </p:nvSpPr>
-        <p:spPr bwMode="auto">
-          <a:xfrm>
-            <a:off x="460375" y="160337"/>
-            <a:ext cx="304800" cy="304801"/>
-          </a:xfrm>
-          <a:prstGeom prst="rect">
-            <a:avLst/>
-          </a:prstGeom>
-          <a:noFill/>
-          <a:extLst>
-            <a:ext uri="{909E8E84-426E-40DD-AFC4-6F175D3DCCD1}">
-              <a14:hiddenFill xmlns:a14="http://schemas.microsoft.com/office/drawing/2010/main">
-                <a:solidFill>
-                  <a:srgbClr val="FFFFFF"/>
-                </a:solidFill>
-              </a14:hiddenFill>
-            </a:ext>
-          </a:extLst>
-        </p:spPr>
-        <p:txBody>
-          <a:bodyPr vert="horz" wrap="square" lIns="91440" tIns="45720" rIns="91440" bIns="45720" numCol="1" anchor="t" anchorCtr="0" compatLnSpc="1">
-            <a:prstTxWarp prst="textNoShape">
-              <a:avLst/>
-            </a:prstTxWarp>
-          </a:bodyPr>
-          <a:lstStyle/>
-          <a:p>
-            <a:endParaRPr lang="pt-BR"/>
-          </a:p>
-        </p:txBody>
-      </p:sp>
-      <p:pic>
-        <p:nvPicPr>
-          <p:cNvPr id="2058" name="Picture 10" descr="http://www.colsan.org.br/site/images/bonecoDuvida.jpg"/>
-          <p:cNvPicPr>
-            <a:picLocks noChangeAspect="1" noChangeArrowheads="1"/>
-          </p:cNvPicPr>
-          <p:nvPr/>
-        </p:nvPicPr>
-        <p:blipFill>
-          <a:blip r:embed="rId2">
-            <a:extLst>
-              <a:ext uri="{28A0092B-C50C-407E-A947-70E740481C1C}">
-                <a14:useLocalDpi xmlns:a14="http://schemas.microsoft.com/office/drawing/2010/main" val="0"/>
-              </a:ext>
-            </a:extLst>
-          </a:blip>
-          <a:srcRect/>
-          <a:stretch>
-            <a:fillRect/>
-          </a:stretch>
-        </p:blipFill>
-        <p:spPr bwMode="auto">
-          <a:xfrm>
-            <a:off x="2771800" y="1595813"/>
-            <a:ext cx="3744416" cy="5262187"/>
-          </a:xfrm>
-          <a:prstGeom prst="rect">
-            <a:avLst/>
-          </a:prstGeom>
-          <a:noFill/>
-          <a:extLst>
-            <a:ext uri="{909E8E84-426E-40DD-AFC4-6F175D3DCCD1}">
-              <a14:hiddenFill xmlns:a14="http://schemas.microsoft.com/office/drawing/2010/main">
-                <a:solidFill>
-                  <a:srgbClr val="FFFFFF"/>
-                </a:solidFill>
-              </a14:hiddenFill>
-            </a:ext>
-          </a:extLst>
-        </p:spPr>
-      </p:pic>
+          <p:cNvPr id="3" name="Espaço Reservado para Conteúdo 2"/>
+          <p:cNvSpPr>
+            <a:spLocks noGrp="1"/>
+          </p:cNvSpPr>
+          <p:nvPr>
+            <p:ph idx="1"/>
+          </p:nvPr>
+        </p:nvSpPr>
+        <p:spPr/>
+        <p:txBody>
+          <a:bodyPr/>
+          <a:lstStyle/>
+          <a:p>
+            <a:r>
+              <a:rPr lang="pt-BR" dirty="0" smtClean="0"/>
+              <a:t>Surgiu no final da década de 50</a:t>
+            </a:r>
+          </a:p>
+          <a:p>
+            <a:endParaRPr lang="pt-BR" dirty="0"/>
+          </a:p>
+          <a:p>
+            <a:r>
+              <a:rPr lang="pt-BR" dirty="0" smtClean="0"/>
+              <a:t>Método de análise de dados que </a:t>
+            </a:r>
+            <a:r>
+              <a:rPr lang="pt-BR" dirty="0"/>
+              <a:t>lida com a construção de sistemas que são capazes de aprender com os </a:t>
+            </a:r>
+            <a:r>
+              <a:rPr lang="pt-BR" dirty="0" smtClean="0"/>
+              <a:t>dados</a:t>
+            </a:r>
+          </a:p>
+          <a:p>
+            <a:endParaRPr lang="pt-BR" dirty="0"/>
+          </a:p>
+          <a:p>
+            <a:r>
+              <a:rPr lang="pt-BR" dirty="0" smtClean="0"/>
+              <a:t>Tomar decisões baseadas nos dados disponíveis</a:t>
+            </a:r>
+          </a:p>
+          <a:p>
+            <a:endParaRPr lang="pt-BR" dirty="0"/>
+          </a:p>
+          <a:p>
+            <a:r>
+              <a:rPr lang="pt-BR" dirty="0" smtClean="0"/>
+              <a:t>Sistema não segue apenas a lógica, se reajusta sem intervenção humana</a:t>
+            </a:r>
+          </a:p>
+          <a:p>
+            <a:endParaRPr lang="pt-BR" dirty="0"/>
+          </a:p>
+          <a:p>
+            <a:endParaRPr lang="pt-BR" dirty="0"/>
+          </a:p>
+        </p:txBody>
+      </p:sp>
     </p:spTree>
     <p:extLst>
       <p:ext uri="{BB962C8B-B14F-4D97-AF65-F5344CB8AC3E}">
-        <p14:creationId xmlns:p14="http://schemas.microsoft.com/office/powerpoint/2010/main" val="4025009510"/>
+        <p14:creationId xmlns:p14="http://schemas.microsoft.com/office/powerpoint/2010/main" val="2107174026"/>
       </p:ext>
     </p:extLst>
   </p:cSld>
@@ -4586,10 +5119,13 @@
           <a:bodyPr/>
           <a:lstStyle/>
           <a:p>
-            <a:pPr algn="ctr"/>
+            <a:r>
+              <a:rPr lang="pt-BR" dirty="0" err="1" smtClean="0"/>
+              <a:t>Machine</a:t>
+            </a:r>
             <a:r>
               <a:rPr lang="pt-BR" dirty="0" smtClean="0"/>
-              <a:t>Obrigado!</a:t>
+              <a:t> Learning - Exemplos</a:t>
             </a:r>
             <a:endParaRPr lang="pt-BR" dirty="0"/>
           </a:p>
@@ -4597,86 +5133,404 @@
       </p:sp>
       <p:sp>
         <p:nvSpPr>
-          <p:cNvPr id="3" name="Espaço Reservado para Conteúdo 2"/>
-          <p:cNvSpPr>
-            <a:spLocks noGrp="1"/>
-          </p:cNvSpPr>
-          <p:nvPr>
-            <p:ph idx="1"/>
-          </p:nvPr>
-        </p:nvSpPr>
-        <p:spPr/>
-        <p:txBody>
-          <a:bodyPr/>
-          <a:lstStyle/>
-          <a:p>
-            <a:r>
-              <a:rPr lang="pt-BR" dirty="0" smtClean="0"/>
-              <a:t>Mathias Neves Tavares</a:t>
-            </a:r>
-          </a:p>
-          <a:p>
-            <a:r>
-              <a:rPr lang="pt-BR" dirty="0" smtClean="0"/>
-              <a:t>Pedro </a:t>
-            </a:r>
-            <a:r>
-              <a:rPr lang="pt-BR" dirty="0" err="1" smtClean="0"/>
-              <a:t>Cerioni</a:t>
-            </a:r>
-            <a:r>
-              <a:rPr lang="pt-BR" dirty="0" smtClean="0"/>
-              <a:t> </a:t>
-            </a:r>
-            <a:r>
-              <a:rPr lang="pt-BR" dirty="0" err="1" smtClean="0"/>
-              <a:t>Tognato</a:t>
-            </a:r>
-            <a:endParaRPr lang="pt-BR" dirty="0" smtClean="0"/>
-          </a:p>
-          <a:p>
-            <a:r>
-              <a:rPr lang="pt-BR" dirty="0" smtClean="0"/>
-              <a:t>Rafael Souza da Silva</a:t>
-            </a:r>
-          </a:p>
-          <a:p>
-            <a:endParaRPr lang="pt-BR" dirty="0"/>
-          </a:p>
-          <a:p>
-            <a:r>
-              <a:rPr lang="pt-BR" dirty="0" smtClean="0"/>
-              <a:t>Prof.º Leonardo Muniz – Complemento de Banco de Dados</a:t>
-            </a:r>
-          </a:p>
-          <a:p>
-            <a:endParaRPr lang="pt-BR" dirty="0"/>
-          </a:p>
-          <a:p>
-            <a:r>
-              <a:rPr lang="pt-BR" dirty="0" smtClean="0"/>
-              <a:t>Análise e Desenvolvimento de Sistemas – 5º Semestre</a:t>
-            </a:r>
-          </a:p>
-          <a:p>
-            <a:endParaRPr lang="pt-BR" dirty="0"/>
-          </a:p>
-          <a:p>
-            <a:endParaRPr lang="pt-BR" dirty="0" smtClean="0"/>
-          </a:p>
-          <a:p>
-            <a:r>
-              <a:rPr lang="pt-BR" dirty="0" smtClean="0"/>
-              <a:t>São Bernardo do Campo, 2016</a:t>
-            </a:r>
-            <a:endParaRPr lang="pt-BR" dirty="0"/>
-          </a:p>
-        </p:txBody>
-      </p:sp>
+          <p:cNvPr id="5" name="AutoShape 2" descr="http://gamehall.uol.com.br/v10/wp-content/uploads/2016/01/netflix-logo.png"/>
+          <p:cNvSpPr>
+            <a:spLocks noChangeAspect="1" noChangeArrowheads="1"/>
+          </p:cNvSpPr>
+          <p:nvPr/>
+        </p:nvSpPr>
+        <p:spPr bwMode="auto">
+          <a:xfrm>
+            <a:off x="155575" y="-144463"/>
+            <a:ext cx="304800" cy="304801"/>
+          </a:xfrm>
+          <a:prstGeom prst="rect">
+            <a:avLst/>
+          </a:prstGeom>
+          <a:noFill/>
+          <a:extLst>
+            <a:ext uri="{909E8E84-426E-40DD-AFC4-6F175D3DCCD1}">
+              <a14:hiddenFill xmlns:a14="http://schemas.microsoft.com/office/drawing/2010/main">
+                <a:solidFill>
+                  <a:srgbClr val="FFFFFF"/>
+                </a:solidFill>
+              </a14:hiddenFill>
+            </a:ext>
+          </a:extLst>
+        </p:spPr>
+        <p:txBody>
+          <a:bodyPr vert="horz" wrap="square" lIns="91440" tIns="45720" rIns="91440" bIns="45720" numCol="1" anchor="t" anchorCtr="0" compatLnSpc="1">
+            <a:prstTxWarp prst="textNoShape">
+              <a:avLst/>
+            </a:prstTxWarp>
+          </a:bodyPr>
+          <a:lstStyle/>
+          <a:p>
+            <a:endParaRPr lang="pt-BR"/>
+          </a:p>
+        </p:txBody>
+      </p:sp>
+      <p:pic>
+        <p:nvPicPr>
+          <p:cNvPr id="1027" name="Picture 3"/>
+          <p:cNvPicPr>
+            <a:picLocks noChangeAspect="1" noChangeArrowheads="1"/>
+          </p:cNvPicPr>
+          <p:nvPr/>
+        </p:nvPicPr>
+        <p:blipFill>
+          <a:blip r:embed="rId2" cstate="print">
+            <a:extLst>
+              <a:ext uri="{28A0092B-C50C-407E-A947-70E740481C1C}">
+                <a14:useLocalDpi xmlns:a14="http://schemas.microsoft.com/office/drawing/2010/main" val="0"/>
+              </a:ext>
+            </a:extLst>
+          </a:blip>
+          <a:srcRect/>
+          <a:stretch>
+            <a:fillRect/>
+          </a:stretch>
+        </p:blipFill>
+        <p:spPr bwMode="auto">
+          <a:xfrm>
+            <a:off x="5651104" y="1916832"/>
+            <a:ext cx="2831638" cy="1592796"/>
+          </a:xfrm>
+          <a:prstGeom prst="rect">
+            <a:avLst/>
+          </a:prstGeom>
+          <a:noFill/>
+          <a:ln>
+            <a:noFill/>
+          </a:ln>
+          <a:effectLst/>
+          <a:extLst>
+            <a:ext uri="{909E8E84-426E-40DD-AFC4-6F175D3DCCD1}">
+              <a14:hiddenFill xmlns:a14="http://schemas.microsoft.com/office/drawing/2010/main">
+                <a:solidFill>
+                  <a:schemeClr val="accent1"/>
+                </a:solidFill>
+              </a14:hiddenFill>
+            </a:ext>
+            <a:ext uri="{91240B29-F687-4F45-9708-019B960494DF}">
+              <a14:hiddenLine xmlns:a14="http://schemas.microsoft.com/office/drawing/2010/main" w="9525">
+                <a:solidFill>
+                  <a:schemeClr val="tx1"/>
+                </a:solidFill>
+                <a:miter lim="800000"/>
+                <a:headEnd/>
+                <a:tailEnd/>
+              </a14:hiddenLine>
+            </a:ext>
+            <a:ext uri="{AF507438-7753-43E0-B8FC-AC1667EBCBE1}">
+              <a14:hiddenEffects xmlns:a14="http://schemas.microsoft.com/office/drawing/2010/main">
+                <a:effectLst>
+                  <a:outerShdw dist="35921" dir="2700000" algn="ctr" rotWithShape="0">
+                    <a:schemeClr val="bg2"/>
+                  </a:outerShdw>
+                </a:effectLst>
+              </a14:hiddenEffects>
+            </a:ext>
+          </a:extLst>
+        </p:spPr>
+      </p:pic>
+      <p:pic>
+        <p:nvPicPr>
+          <p:cNvPr id="1029" name="Picture 5" descr="http://i0.statig.com.br/bancodeimagens/al/ho/id/alhoidb77zcmcp1vqlbbweill.jpg"/>
+          <p:cNvPicPr>
+            <a:picLocks noChangeAspect="1" noChangeArrowheads="1"/>
+          </p:cNvPicPr>
+          <p:nvPr/>
+        </p:nvPicPr>
+        <p:blipFill>
+          <a:blip r:embed="rId3">
+            <a:extLst>
+              <a:ext uri="{28A0092B-C50C-407E-A947-70E740481C1C}">
+                <a14:useLocalDpi xmlns:a14="http://schemas.microsoft.com/office/drawing/2010/main" val="0"/>
+              </a:ext>
+            </a:extLst>
+          </a:blip>
+          <a:srcRect/>
+          <a:stretch>
+            <a:fillRect/>
+          </a:stretch>
+        </p:blipFill>
+        <p:spPr bwMode="auto">
+          <a:xfrm>
+            <a:off x="5359825" y="4437112"/>
+            <a:ext cx="3140114" cy="1964980"/>
+          </a:xfrm>
+          <a:prstGeom prst="rect">
+            <a:avLst/>
+          </a:prstGeom>
+          <a:noFill/>
+          <a:extLst>
+            <a:ext uri="{909E8E84-426E-40DD-AFC4-6F175D3DCCD1}">
+              <a14:hiddenFill xmlns:a14="http://schemas.microsoft.com/office/drawing/2010/main">
+                <a:solidFill>
+                  <a:srgbClr val="FFFFFF"/>
+                </a:solidFill>
+              </a14:hiddenFill>
+            </a:ext>
+          </a:extLst>
+        </p:spPr>
+      </p:pic>
+      <p:pic>
+        <p:nvPicPr>
+          <p:cNvPr id="1030" name="Picture 6"/>
+          <p:cNvPicPr>
+            <a:picLocks noChangeAspect="1" noChangeArrowheads="1"/>
+          </p:cNvPicPr>
+          <p:nvPr/>
+        </p:nvPicPr>
+        <p:blipFill>
+          <a:blip r:embed="rId4">
+            <a:extLst>
+              <a:ext uri="{28A0092B-C50C-407E-A947-70E740481C1C}">
+                <a14:useLocalDpi xmlns:a14="http://schemas.microsoft.com/office/drawing/2010/main" val="0"/>
+              </a:ext>
+            </a:extLst>
+          </a:blip>
+          <a:srcRect/>
+          <a:stretch>
+            <a:fillRect/>
+          </a:stretch>
+        </p:blipFill>
+        <p:spPr bwMode="auto">
+          <a:xfrm>
+            <a:off x="971600" y="4149080"/>
+            <a:ext cx="2009800" cy="2009800"/>
+          </a:xfrm>
+          <a:prstGeom prst="rect">
+            <a:avLst/>
+          </a:prstGeom>
+          <a:noFill/>
+          <a:ln>
+            <a:noFill/>
+          </a:ln>
+          <a:effectLst/>
+          <a:extLst>
+            <a:ext uri="{909E8E84-426E-40DD-AFC4-6F175D3DCCD1}">
+              <a14:hiddenFill xmlns:a14="http://schemas.microsoft.com/office/drawing/2010/main">
+                <a:solidFill>
+                  <a:schemeClr val="accent1"/>
+                </a:solidFill>
+              </a14:hiddenFill>
+            </a:ext>
+            <a:ext uri="{91240B29-F687-4F45-9708-019B960494DF}">
+              <a14:hiddenLine xmlns:a14="http://schemas.microsoft.com/office/drawing/2010/main" w="9525">
+                <a:solidFill>
+                  <a:schemeClr val="tx1"/>
+                </a:solidFill>
+                <a:miter lim="800000"/>
+                <a:headEnd/>
+                <a:tailEnd/>
+              </a14:hiddenLine>
+            </a:ext>
+            <a:ext uri="{AF507438-7753-43E0-B8FC-AC1667EBCBE1}">
+              <a14:hiddenEffects xmlns:a14="http://schemas.microsoft.com/office/drawing/2010/main">
+                <a:effectLst>
+                  <a:outerShdw dist="35921" dir="2700000" algn="ctr" rotWithShape="0">
+                    <a:schemeClr val="bg2"/>
+                  </a:outerShdw>
+                </a:effectLst>
+              </a14:hiddenEffects>
+            </a:ext>
+          </a:extLst>
+        </p:spPr>
+      </p:pic>
+      <p:pic>
+        <p:nvPicPr>
+          <p:cNvPr id="1032" name="Picture 8" descr="http://www.bitmag.com.br/wp-content/uploads/2015/08/seguran%C3%A7a3-683x250.jpg"/>
+          <p:cNvPicPr>
+            <a:picLocks noChangeAspect="1" noChangeArrowheads="1"/>
+          </p:cNvPicPr>
+          <p:nvPr/>
+        </p:nvPicPr>
+        <p:blipFill>
+          <a:blip r:embed="rId5">
+            <a:extLst>
+              <a:ext uri="{28A0092B-C50C-407E-A947-70E740481C1C}">
+                <a14:useLocalDpi xmlns:a14="http://schemas.microsoft.com/office/drawing/2010/main" val="0"/>
+              </a:ext>
+            </a:extLst>
+          </a:blip>
+          <a:srcRect/>
+          <a:stretch>
+            <a:fillRect/>
+          </a:stretch>
+        </p:blipFill>
+        <p:spPr bwMode="auto">
+          <a:xfrm>
+            <a:off x="566130" y="1700808"/>
+            <a:ext cx="3252787" cy="1190625"/>
+          </a:xfrm>
+          <a:prstGeom prst="rect">
+            <a:avLst/>
+          </a:prstGeom>
+          <a:noFill/>
+          <a:extLst>
+            <a:ext uri="{909E8E84-426E-40DD-AFC4-6F175D3DCCD1}">
+              <a14:hiddenFill xmlns:a14="http://schemas.microsoft.com/office/drawing/2010/main">
+                <a:solidFill>
+                  <a:srgbClr val="FFFFFF"/>
+                </a:solidFill>
+              </a14:hiddenFill>
+            </a:ext>
+          </a:extLst>
+        </p:spPr>
+      </p:pic>
+      <p:pic>
+        <p:nvPicPr>
+          <p:cNvPr id="1033" name="Picture 9"/>
+          <p:cNvPicPr>
+            <a:picLocks noChangeAspect="1" noChangeArrowheads="1"/>
+          </p:cNvPicPr>
+          <p:nvPr/>
+        </p:nvPicPr>
+        <p:blipFill>
+          <a:blip r:embed="rId6">
+            <a:extLst>
+              <a:ext uri="{28A0092B-C50C-407E-A947-70E740481C1C}">
+                <a14:useLocalDpi xmlns:a14="http://schemas.microsoft.com/office/drawing/2010/main" val="0"/>
+              </a:ext>
+            </a:extLst>
+          </a:blip>
+          <a:srcRect/>
+          <a:stretch>
+            <a:fillRect/>
+          </a:stretch>
+        </p:blipFill>
+        <p:spPr bwMode="auto">
+          <a:xfrm>
+            <a:off x="3216700" y="2926344"/>
+            <a:ext cx="2143125" cy="2143125"/>
+          </a:xfrm>
+          <a:prstGeom prst="rect">
+            <a:avLst/>
+          </a:prstGeom>
+          <a:noFill/>
+          <a:ln>
+            <a:noFill/>
+          </a:ln>
+          <a:effectLst/>
+          <a:extLst>
+            <a:ext uri="{909E8E84-426E-40DD-AFC4-6F175D3DCCD1}">
+              <a14:hiddenFill xmlns:a14="http://schemas.microsoft.com/office/drawing/2010/main">
+                <a:solidFill>
+                  <a:schemeClr val="accent1"/>
+                </a:solidFill>
+              </a14:hiddenFill>
+            </a:ext>
+            <a:ext uri="{91240B29-F687-4F45-9708-019B960494DF}">
+              <a14:hiddenLine xmlns:a14="http://schemas.microsoft.com/office/drawing/2010/main" w="9525">
+                <a:solidFill>
+                  <a:schemeClr val="tx1"/>
+                </a:solidFill>
+                <a:miter lim="800000"/>
+                <a:headEnd/>
+                <a:tailEnd/>
+              </a14:hiddenLine>
+            </a:ext>
+            <a:ext uri="{AF507438-7753-43E0-B8FC-AC1667EBCBE1}">
+              <a14:hiddenEffects xmlns:a14="http://schemas.microsoft.com/office/drawing/2010/main">
+                <a:effectLst>
+                  <a:outerShdw dist="35921" dir="2700000" algn="ctr" rotWithShape="0">
+                    <a:schemeClr val="bg2"/>
+                  </a:outerShdw>
+                </a:effectLst>
+              </a14:hiddenEffects>
+            </a:ext>
+          </a:extLst>
+        </p:spPr>
+      </p:pic>
     </p:spTree>
     <p:extLst>
       <p:ext uri="{BB962C8B-B14F-4D97-AF65-F5344CB8AC3E}">
-        <p14:creationId xmlns:p14="http://schemas.microsoft.com/office/powerpoint/2010/main" val="3388298712"/>
+        <p14:creationId xmlns:p14="http://schemas.microsoft.com/office/powerpoint/2010/main" val="53794505"/>
+      </p:ext>
+    </p:extLst>
+  </p:cSld>
+  <p:clrMapOvr>
+    <a:masterClrMapping/>
+  </p:clrMapOvr>
+  <p:timing>
+    <p:tnLst>
+      <p:par>
+        <p:cTn id="1" dur="indefinite" restart="never" nodeType="tmRoot"/>
+      </p:par>
+    </p:tnLst>
+  </p:timing>
+</p:sld>
+</file>
+
+<file path=ppt/slides/slide9.xml><?xml version="1.0" encoding="utf-8"?>
+<p:sld xmlns:a="http://schemas.openxmlformats.org/drawingml/2006/main" xmlns:r="http://schemas.openxmlformats.org/officeDocument/2006/relationships" xmlns:p="http://schemas.openxmlformats.org/presentationml/2006/main">
+  <p:cSld>
+    <p:spTree>
+      <p:nvGrpSpPr>
+        <p:cNvPr id="1" name=""/>
+        <p:cNvGrpSpPr/>
+        <p:nvPr/>
+      </p:nvGrpSpPr>
+      <p:grpSpPr>
+        <a:xfrm>
+          <a:off x="0" y="0"/>
+          <a:ext cx="0" cy="0"/>
+          <a:chOff x="0" y="0"/>
+          <a:chExt cx="0" cy="0"/>
+        </a:xfrm>
+      </p:grpSpPr>
+      <p:sp>
+        <p:nvSpPr>
+          <p:cNvPr id="2" name="Título 1"/>
+          <p:cNvSpPr>
+            <a:spLocks noGrp="1"/>
+          </p:cNvSpPr>
+          <p:nvPr>
+            <p:ph type="title"/>
+          </p:nvPr>
+        </p:nvSpPr>
+        <p:spPr/>
+        <p:txBody>
+          <a:bodyPr/>
+          <a:lstStyle/>
+          <a:p>
+            <a:r>
+              <a:rPr lang="pt-BR" dirty="0" err="1" smtClean="0"/>
+              <a:t>Deep</a:t>
+            </a:r>
+            <a:r>
+              <a:rPr lang="pt-BR" smtClean="0"/>
+              <a:t> Learning</a:t>
+            </a:r>
+            <a:endParaRPr lang="pt-BR"/>
+          </a:p>
+        </p:txBody>
+      </p:sp>
+      <p:sp>
+        <p:nvSpPr>
+          <p:cNvPr id="3" name="Espaço Reservado para Conteúdo 2"/>
+          <p:cNvSpPr>
+            <a:spLocks noGrp="1"/>
+          </p:cNvSpPr>
+          <p:nvPr>
+            <p:ph idx="1"/>
+          </p:nvPr>
+        </p:nvSpPr>
+        <p:spPr/>
+        <p:txBody>
+          <a:bodyPr/>
+          <a:lstStyle/>
+          <a:p>
+            <a:endParaRPr lang="pt-BR"/>
+          </a:p>
+        </p:txBody>
+      </p:sp>
+    </p:spTree>
+    <p:extLst>
+      <p:ext uri="{BB962C8B-B14F-4D97-AF65-F5344CB8AC3E}">
+        <p14:creationId xmlns:p14="http://schemas.microsoft.com/office/powerpoint/2010/main" val="3584001433"/>
       </p:ext>
     </p:extLst>
   </p:cSld>
